--- a/Capstone Project.pptx
+++ b/Capstone Project.pptx
@@ -126,2573 +126,6 @@
 </p:presentation>
 </file>
 
-<file path=ppt/diagrams/colors1.xml><?xml version="1.0" encoding="utf-8"?>
-<dgm:colorsDef xmlns:dgm="http://schemas.openxmlformats.org/drawingml/2006/diagram" xmlns:a="http://schemas.openxmlformats.org/drawingml/2006/main" uniqueId="urn:microsoft.com/office/officeart/2005/8/colors/accent0_3">
-  <dgm:title val=""/>
-  <dgm:desc val=""/>
-  <dgm:catLst>
-    <dgm:cat type="mainScheme" pri="10300"/>
-  </dgm:catLst>
-  <dgm:styleLbl name="node0">
-    <dgm:fillClrLst meth="repeat">
-      <a:schemeClr val="dk2"/>
-    </dgm:fillClrLst>
-    <dgm:linClrLst meth="repeat">
-      <a:schemeClr val="lt2"/>
-    </dgm:linClrLst>
-    <dgm:effectClrLst/>
-    <dgm:txLinClrLst/>
-    <dgm:txFillClrLst/>
-    <dgm:txEffectClrLst/>
-  </dgm:styleLbl>
-  <dgm:styleLbl name="alignNode1">
-    <dgm:fillClrLst meth="repeat">
-      <a:schemeClr val="dk2"/>
-    </dgm:fillClrLst>
-    <dgm:linClrLst meth="repeat">
-      <a:schemeClr val="dk2"/>
-    </dgm:linClrLst>
-    <dgm:effectClrLst/>
-    <dgm:txLinClrLst/>
-    <dgm:txFillClrLst/>
-    <dgm:txEffectClrLst/>
-  </dgm:styleLbl>
-  <dgm:styleLbl name="node1">
-    <dgm:fillClrLst meth="repeat">
-      <a:schemeClr val="dk2"/>
-    </dgm:fillClrLst>
-    <dgm:linClrLst meth="repeat">
-      <a:schemeClr val="lt2"/>
-    </dgm:linClrLst>
-    <dgm:effectClrLst/>
-    <dgm:txLinClrLst/>
-    <dgm:txFillClrLst/>
-    <dgm:txEffectClrLst/>
-  </dgm:styleLbl>
-  <dgm:styleLbl name="lnNode1">
-    <dgm:fillClrLst meth="repeat">
-      <a:schemeClr val="dk2"/>
-    </dgm:fillClrLst>
-    <dgm:linClrLst meth="repeat">
-      <a:schemeClr val="lt2"/>
-    </dgm:linClrLst>
-    <dgm:effectClrLst/>
-    <dgm:txLinClrLst/>
-    <dgm:txFillClrLst/>
-    <dgm:txEffectClrLst/>
-  </dgm:styleLbl>
-  <dgm:styleLbl name="vennNode1">
-    <dgm:fillClrLst meth="repeat">
-      <a:schemeClr val="dk2">
-        <a:alpha val="50000"/>
-      </a:schemeClr>
-    </dgm:fillClrLst>
-    <dgm:linClrLst meth="repeat">
-      <a:schemeClr val="lt2"/>
-    </dgm:linClrLst>
-    <dgm:effectClrLst/>
-    <dgm:txLinClrLst/>
-    <dgm:txFillClrLst/>
-    <dgm:txEffectClrLst/>
-  </dgm:styleLbl>
-  <dgm:styleLbl name="node2">
-    <dgm:fillClrLst meth="repeat">
-      <a:schemeClr val="dk2"/>
-    </dgm:fillClrLst>
-    <dgm:linClrLst meth="repeat">
-      <a:schemeClr val="lt2"/>
-    </dgm:linClrLst>
-    <dgm:effectClrLst/>
-    <dgm:txLinClrLst/>
-    <dgm:txFillClrLst/>
-    <dgm:txEffectClrLst/>
-  </dgm:styleLbl>
-  <dgm:styleLbl name="node3">
-    <dgm:fillClrLst meth="repeat">
-      <a:schemeClr val="dk2"/>
-    </dgm:fillClrLst>
-    <dgm:linClrLst meth="repeat">
-      <a:schemeClr val="lt2"/>
-    </dgm:linClrLst>
-    <dgm:effectClrLst/>
-    <dgm:txLinClrLst/>
-    <dgm:txFillClrLst/>
-    <dgm:txEffectClrLst/>
-  </dgm:styleLbl>
-  <dgm:styleLbl name="node4">
-    <dgm:fillClrLst meth="repeat">
-      <a:schemeClr val="dk2"/>
-    </dgm:fillClrLst>
-    <dgm:linClrLst meth="repeat">
-      <a:schemeClr val="lt2"/>
-    </dgm:linClrLst>
-    <dgm:effectClrLst/>
-    <dgm:txLinClrLst/>
-    <dgm:txFillClrLst/>
-    <dgm:txEffectClrLst/>
-  </dgm:styleLbl>
-  <dgm:styleLbl name="fgImgPlace1">
-    <dgm:fillClrLst meth="repeat">
-      <a:schemeClr val="dk2">
-        <a:tint val="50000"/>
-      </a:schemeClr>
-    </dgm:fillClrLst>
-    <dgm:linClrLst meth="repeat">
-      <a:schemeClr val="lt2"/>
-    </dgm:linClrLst>
-    <dgm:effectClrLst/>
-    <dgm:txLinClrLst/>
-    <dgm:txFillClrLst meth="repeat">
-      <a:schemeClr val="lt2"/>
-    </dgm:txFillClrLst>
-    <dgm:txEffectClrLst/>
-  </dgm:styleLbl>
-  <dgm:styleLbl name="alignImgPlace1">
-    <dgm:fillClrLst meth="repeat">
-      <a:schemeClr val="dk2">
-        <a:tint val="50000"/>
-      </a:schemeClr>
-    </dgm:fillClrLst>
-    <dgm:linClrLst meth="repeat">
-      <a:schemeClr val="dk2">
-        <a:shade val="80000"/>
-      </a:schemeClr>
-    </dgm:linClrLst>
-    <dgm:effectClrLst/>
-    <dgm:txLinClrLst/>
-    <dgm:txFillClrLst meth="repeat">
-      <a:schemeClr val="lt2"/>
-    </dgm:txFillClrLst>
-    <dgm:txEffectClrLst/>
-  </dgm:styleLbl>
-  <dgm:styleLbl name="bgImgPlace1">
-    <dgm:fillClrLst meth="repeat">
-      <a:schemeClr val="dk2">
-        <a:tint val="50000"/>
-      </a:schemeClr>
-    </dgm:fillClrLst>
-    <dgm:linClrLst meth="repeat">
-      <a:schemeClr val="dk2">
-        <a:shade val="80000"/>
-      </a:schemeClr>
-    </dgm:linClrLst>
-    <dgm:effectClrLst/>
-    <dgm:txLinClrLst/>
-    <dgm:txFillClrLst meth="repeat">
-      <a:schemeClr val="lt2"/>
-    </dgm:txFillClrLst>
-    <dgm:txEffectClrLst/>
-  </dgm:styleLbl>
-  <dgm:styleLbl name="sibTrans2D1">
-    <dgm:fillClrLst meth="repeat">
-      <a:schemeClr val="dk2">
-        <a:tint val="60000"/>
-      </a:schemeClr>
-    </dgm:fillClrLst>
-    <dgm:linClrLst meth="repeat">
-      <a:schemeClr val="dk2">
-        <a:tint val="60000"/>
-      </a:schemeClr>
-    </dgm:linClrLst>
-    <dgm:effectClrLst/>
-    <dgm:txLinClrLst/>
-    <dgm:txFillClrLst/>
-    <dgm:txEffectClrLst/>
-  </dgm:styleLbl>
-  <dgm:styleLbl name="fgSibTrans2D1">
-    <dgm:fillClrLst meth="repeat">
-      <a:schemeClr val="dk2">
-        <a:tint val="60000"/>
-      </a:schemeClr>
-    </dgm:fillClrLst>
-    <dgm:linClrLst meth="repeat">
-      <a:schemeClr val="dk2">
-        <a:tint val="60000"/>
-      </a:schemeClr>
-    </dgm:linClrLst>
-    <dgm:effectClrLst/>
-    <dgm:txLinClrLst/>
-    <dgm:txFillClrLst/>
-    <dgm:txEffectClrLst/>
-  </dgm:styleLbl>
-  <dgm:styleLbl name="bgSibTrans2D1">
-    <dgm:fillClrLst meth="repeat">
-      <a:schemeClr val="dk2">
-        <a:tint val="60000"/>
-      </a:schemeClr>
-    </dgm:fillClrLst>
-    <dgm:linClrLst meth="repeat">
-      <a:schemeClr val="dk2">
-        <a:tint val="60000"/>
-      </a:schemeClr>
-    </dgm:linClrLst>
-    <dgm:effectClrLst/>
-    <dgm:txLinClrLst/>
-    <dgm:txFillClrLst/>
-    <dgm:txEffectClrLst/>
-  </dgm:styleLbl>
-  <dgm:styleLbl name="sibTrans1D1">
-    <dgm:fillClrLst meth="repeat">
-      <a:schemeClr val="dk2"/>
-    </dgm:fillClrLst>
-    <dgm:linClrLst meth="repeat">
-      <a:schemeClr val="dk2"/>
-    </dgm:linClrLst>
-    <dgm:effectClrLst/>
-    <dgm:txLinClrLst/>
-    <dgm:txFillClrLst meth="repeat">
-      <a:schemeClr val="lt2"/>
-    </dgm:txFillClrLst>
-    <dgm:txEffectClrLst/>
-  </dgm:styleLbl>
-  <dgm:styleLbl name="callout">
-    <dgm:fillClrLst meth="repeat">
-      <a:schemeClr val="dk2"/>
-    </dgm:fillClrLst>
-    <dgm:linClrLst meth="repeat">
-      <a:schemeClr val="dk2">
-        <a:tint val="50000"/>
-      </a:schemeClr>
-    </dgm:linClrLst>
-    <dgm:effectClrLst/>
-    <dgm:txLinClrLst/>
-    <dgm:txFillClrLst meth="repeat">
-      <a:schemeClr val="lt2"/>
-    </dgm:txFillClrLst>
-    <dgm:txEffectClrLst/>
-  </dgm:styleLbl>
-  <dgm:styleLbl name="asst0">
-    <dgm:fillClrLst meth="repeat">
-      <a:schemeClr val="dk2"/>
-    </dgm:fillClrLst>
-    <dgm:linClrLst meth="repeat">
-      <a:schemeClr val="lt2"/>
-    </dgm:linClrLst>
-    <dgm:effectClrLst/>
-    <dgm:txLinClrLst/>
-    <dgm:txFillClrLst/>
-    <dgm:txEffectClrLst/>
-  </dgm:styleLbl>
-  <dgm:styleLbl name="asst1">
-    <dgm:fillClrLst meth="repeat">
-      <a:schemeClr val="dk2"/>
-    </dgm:fillClrLst>
-    <dgm:linClrLst meth="repeat">
-      <a:schemeClr val="lt2"/>
-    </dgm:linClrLst>
-    <dgm:effectClrLst/>
-    <dgm:txLinClrLst/>
-    <dgm:txFillClrLst/>
-    <dgm:txEffectClrLst/>
-  </dgm:styleLbl>
-  <dgm:styleLbl name="asst2">
-    <dgm:fillClrLst meth="repeat">
-      <a:schemeClr val="dk2"/>
-    </dgm:fillClrLst>
-    <dgm:linClrLst meth="repeat">
-      <a:schemeClr val="lt2"/>
-    </dgm:linClrLst>
-    <dgm:effectClrLst/>
-    <dgm:txLinClrLst/>
-    <dgm:txFillClrLst/>
-    <dgm:txEffectClrLst/>
-  </dgm:styleLbl>
-  <dgm:styleLbl name="asst3">
-    <dgm:fillClrLst meth="repeat">
-      <a:schemeClr val="dk2"/>
-    </dgm:fillClrLst>
-    <dgm:linClrLst meth="repeat">
-      <a:schemeClr val="lt2"/>
-    </dgm:linClrLst>
-    <dgm:effectClrLst/>
-    <dgm:txLinClrLst/>
-    <dgm:txFillClrLst/>
-    <dgm:txEffectClrLst/>
-  </dgm:styleLbl>
-  <dgm:styleLbl name="asst4">
-    <dgm:fillClrLst meth="repeat">
-      <a:schemeClr val="dk2"/>
-    </dgm:fillClrLst>
-    <dgm:linClrLst meth="repeat">
-      <a:schemeClr val="lt2"/>
-    </dgm:linClrLst>
-    <dgm:effectClrLst/>
-    <dgm:txLinClrLst/>
-    <dgm:txFillClrLst/>
-    <dgm:txEffectClrLst/>
-  </dgm:styleLbl>
-  <dgm:styleLbl name="parChTrans2D1">
-    <dgm:fillClrLst meth="repeat">
-      <a:schemeClr val="dk2">
-        <a:tint val="60000"/>
-      </a:schemeClr>
-    </dgm:fillClrLst>
-    <dgm:linClrLst meth="repeat">
-      <a:schemeClr val="dk2">
-        <a:tint val="60000"/>
-      </a:schemeClr>
-    </dgm:linClrLst>
-    <dgm:effectClrLst/>
-    <dgm:txLinClrLst/>
-    <dgm:txFillClrLst meth="repeat">
-      <a:schemeClr val="lt2"/>
-    </dgm:txFillClrLst>
-    <dgm:txEffectClrLst/>
-  </dgm:styleLbl>
-  <dgm:styleLbl name="parChTrans2D2">
-    <dgm:fillClrLst meth="repeat">
-      <a:schemeClr val="dk2"/>
-    </dgm:fillClrLst>
-    <dgm:linClrLst meth="repeat">
-      <a:schemeClr val="dk2"/>
-    </dgm:linClrLst>
-    <dgm:effectClrLst/>
-    <dgm:txLinClrLst/>
-    <dgm:txFillClrLst meth="repeat">
-      <a:schemeClr val="lt2"/>
-    </dgm:txFillClrLst>
-    <dgm:txEffectClrLst/>
-  </dgm:styleLbl>
-  <dgm:styleLbl name="parChTrans2D3">
-    <dgm:fillClrLst meth="repeat">
-      <a:schemeClr val="dk2"/>
-    </dgm:fillClrLst>
-    <dgm:linClrLst meth="repeat">
-      <a:schemeClr val="dk2"/>
-    </dgm:linClrLst>
-    <dgm:effectClrLst/>
-    <dgm:txLinClrLst/>
-    <dgm:txFillClrLst meth="repeat">
-      <a:schemeClr val="lt2"/>
-    </dgm:txFillClrLst>
-    <dgm:txEffectClrLst/>
-  </dgm:styleLbl>
-  <dgm:styleLbl name="parChTrans2D4">
-    <dgm:fillClrLst meth="repeat">
-      <a:schemeClr val="dk2"/>
-    </dgm:fillClrLst>
-    <dgm:linClrLst meth="repeat">
-      <a:schemeClr val="dk2"/>
-    </dgm:linClrLst>
-    <dgm:effectClrLst/>
-    <dgm:txLinClrLst/>
-    <dgm:txFillClrLst meth="repeat">
-      <a:schemeClr val="lt2"/>
-    </dgm:txFillClrLst>
-    <dgm:txEffectClrLst/>
-  </dgm:styleLbl>
-  <dgm:styleLbl name="parChTrans1D1">
-    <dgm:fillClrLst meth="repeat">
-      <a:schemeClr val="dk2"/>
-    </dgm:fillClrLst>
-    <dgm:linClrLst meth="repeat">
-      <a:schemeClr val="dk2">
-        <a:shade val="60000"/>
-      </a:schemeClr>
-    </dgm:linClrLst>
-    <dgm:effectClrLst/>
-    <dgm:txLinClrLst/>
-    <dgm:txFillClrLst meth="repeat">
-      <a:schemeClr val="tx1"/>
-    </dgm:txFillClrLst>
-    <dgm:txEffectClrLst/>
-  </dgm:styleLbl>
-  <dgm:styleLbl name="parChTrans1D2">
-    <dgm:fillClrLst meth="repeat">
-      <a:schemeClr val="dk2"/>
-    </dgm:fillClrLst>
-    <dgm:linClrLst meth="repeat">
-      <a:schemeClr val="dk2">
-        <a:shade val="60000"/>
-      </a:schemeClr>
-    </dgm:linClrLst>
-    <dgm:effectClrLst/>
-    <dgm:txLinClrLst/>
-    <dgm:txFillClrLst meth="repeat">
-      <a:schemeClr val="tx1"/>
-    </dgm:txFillClrLst>
-    <dgm:txEffectClrLst/>
-  </dgm:styleLbl>
-  <dgm:styleLbl name="parChTrans1D3">
-    <dgm:fillClrLst meth="repeat">
-      <a:schemeClr val="dk2"/>
-    </dgm:fillClrLst>
-    <dgm:linClrLst meth="repeat">
-      <a:schemeClr val="dk2">
-        <a:shade val="80000"/>
-      </a:schemeClr>
-    </dgm:linClrLst>
-    <dgm:effectClrLst/>
-    <dgm:txLinClrLst/>
-    <dgm:txFillClrLst meth="repeat">
-      <a:schemeClr val="tx1"/>
-    </dgm:txFillClrLst>
-    <dgm:txEffectClrLst/>
-  </dgm:styleLbl>
-  <dgm:styleLbl name="parChTrans1D4">
-    <dgm:fillClrLst meth="repeat">
-      <a:schemeClr val="dk2"/>
-    </dgm:fillClrLst>
-    <dgm:linClrLst meth="repeat">
-      <a:schemeClr val="dk2">
-        <a:shade val="80000"/>
-      </a:schemeClr>
-    </dgm:linClrLst>
-    <dgm:effectClrLst/>
-    <dgm:txLinClrLst/>
-    <dgm:txFillClrLst meth="repeat">
-      <a:schemeClr val="tx1"/>
-    </dgm:txFillClrLst>
-    <dgm:txEffectClrLst/>
-  </dgm:styleLbl>
-  <dgm:styleLbl name="fgAcc1">
-    <dgm:fillClrLst meth="repeat">
-      <a:schemeClr val="lt2">
-        <a:alpha val="90000"/>
-      </a:schemeClr>
-    </dgm:fillClrLst>
-    <dgm:linClrLst meth="repeat">
-      <a:schemeClr val="dk2"/>
-    </dgm:linClrLst>
-    <dgm:effectClrLst/>
-    <dgm:txLinClrLst/>
-    <dgm:txFillClrLst meth="repeat">
-      <a:schemeClr val="dk1"/>
-    </dgm:txFillClrLst>
-    <dgm:txEffectClrLst/>
-  </dgm:styleLbl>
-  <dgm:styleLbl name="conFgAcc1">
-    <dgm:fillClrLst meth="repeat">
-      <a:schemeClr val="lt2">
-        <a:alpha val="90000"/>
-      </a:schemeClr>
-    </dgm:fillClrLst>
-    <dgm:linClrLst meth="repeat">
-      <a:schemeClr val="dk2"/>
-    </dgm:linClrLst>
-    <dgm:effectClrLst/>
-    <dgm:txLinClrLst/>
-    <dgm:txFillClrLst meth="repeat">
-      <a:schemeClr val="dk1"/>
-    </dgm:txFillClrLst>
-    <dgm:txEffectClrLst/>
-  </dgm:styleLbl>
-  <dgm:styleLbl name="alignAcc1">
-    <dgm:fillClrLst meth="repeat">
-      <a:schemeClr val="lt2">
-        <a:alpha val="90000"/>
-      </a:schemeClr>
-    </dgm:fillClrLst>
-    <dgm:linClrLst meth="repeat">
-      <a:schemeClr val="dk2"/>
-    </dgm:linClrLst>
-    <dgm:effectClrLst/>
-    <dgm:txLinClrLst/>
-    <dgm:txFillClrLst meth="repeat">
-      <a:schemeClr val="dk1"/>
-    </dgm:txFillClrLst>
-    <dgm:txEffectClrLst/>
-  </dgm:styleLbl>
-  <dgm:styleLbl name="trAlignAcc1">
-    <dgm:fillClrLst meth="repeat">
-      <a:schemeClr val="lt2">
-        <a:alpha val="40000"/>
-      </a:schemeClr>
-    </dgm:fillClrLst>
-    <dgm:linClrLst meth="repeat">
-      <a:schemeClr val="dk2"/>
-    </dgm:linClrLst>
-    <dgm:effectClrLst/>
-    <dgm:txLinClrLst/>
-    <dgm:txFillClrLst meth="repeat">
-      <a:schemeClr val="dk1"/>
-    </dgm:txFillClrLst>
-    <dgm:txEffectClrLst/>
-  </dgm:styleLbl>
-  <dgm:styleLbl name="bgAcc1">
-    <dgm:fillClrLst meth="repeat">
-      <a:schemeClr val="lt2">
-        <a:alpha val="90000"/>
-      </a:schemeClr>
-    </dgm:fillClrLst>
-    <dgm:linClrLst meth="repeat">
-      <a:schemeClr val="dk2"/>
-    </dgm:linClrLst>
-    <dgm:effectClrLst/>
-    <dgm:txLinClrLst/>
-    <dgm:txFillClrLst meth="repeat">
-      <a:schemeClr val="dk1"/>
-    </dgm:txFillClrLst>
-    <dgm:txEffectClrLst/>
-  </dgm:styleLbl>
-  <dgm:styleLbl name="solidFgAcc1">
-    <dgm:fillClrLst meth="repeat">
-      <a:schemeClr val="lt2"/>
-    </dgm:fillClrLst>
-    <dgm:linClrLst meth="repeat">
-      <a:schemeClr val="dk2"/>
-    </dgm:linClrLst>
-    <dgm:effectClrLst/>
-    <dgm:txLinClrLst/>
-    <dgm:txFillClrLst meth="repeat">
-      <a:schemeClr val="dk1"/>
-    </dgm:txFillClrLst>
-    <dgm:txEffectClrLst/>
-  </dgm:styleLbl>
-  <dgm:styleLbl name="solidAlignAcc1">
-    <dgm:fillClrLst meth="repeat">
-      <a:schemeClr val="lt2"/>
-    </dgm:fillClrLst>
-    <dgm:linClrLst meth="repeat">
-      <a:schemeClr val="dk2"/>
-    </dgm:linClrLst>
-    <dgm:effectClrLst/>
-    <dgm:txLinClrLst/>
-    <dgm:txFillClrLst meth="repeat">
-      <a:schemeClr val="dk1"/>
-    </dgm:txFillClrLst>
-    <dgm:txEffectClrLst/>
-  </dgm:styleLbl>
-  <dgm:styleLbl name="solidBgAcc1">
-    <dgm:fillClrLst meth="repeat">
-      <a:schemeClr val="lt2"/>
-    </dgm:fillClrLst>
-    <dgm:linClrLst meth="repeat">
-      <a:schemeClr val="dk2"/>
-    </dgm:linClrLst>
-    <dgm:effectClrLst/>
-    <dgm:txLinClrLst/>
-    <dgm:txFillClrLst meth="repeat">
-      <a:schemeClr val="dk1"/>
-    </dgm:txFillClrLst>
-    <dgm:txEffectClrLst/>
-  </dgm:styleLbl>
-  <dgm:styleLbl name="fgAccFollowNode1">
-    <dgm:fillClrLst meth="repeat">
-      <a:schemeClr val="dk2">
-        <a:alpha val="90000"/>
-        <a:tint val="40000"/>
-      </a:schemeClr>
-    </dgm:fillClrLst>
-    <dgm:linClrLst meth="repeat">
-      <a:schemeClr val="dk2">
-        <a:alpha val="90000"/>
-        <a:tint val="40000"/>
-      </a:schemeClr>
-    </dgm:linClrLst>
-    <dgm:effectClrLst/>
-    <dgm:txLinClrLst/>
-    <dgm:txFillClrLst meth="repeat">
-      <a:schemeClr val="dk1"/>
-    </dgm:txFillClrLst>
-    <dgm:txEffectClrLst/>
-  </dgm:styleLbl>
-  <dgm:styleLbl name="alignAccFollowNode1">
-    <dgm:fillClrLst meth="repeat">
-      <a:schemeClr val="dk2">
-        <a:alpha val="90000"/>
-        <a:tint val="40000"/>
-      </a:schemeClr>
-    </dgm:fillClrLst>
-    <dgm:linClrLst meth="repeat">
-      <a:schemeClr val="dk2">
-        <a:alpha val="90000"/>
-        <a:tint val="40000"/>
-      </a:schemeClr>
-    </dgm:linClrLst>
-    <dgm:effectClrLst/>
-    <dgm:txLinClrLst/>
-    <dgm:txFillClrLst meth="repeat">
-      <a:schemeClr val="dk1"/>
-    </dgm:txFillClrLst>
-    <dgm:txEffectClrLst/>
-  </dgm:styleLbl>
-  <dgm:styleLbl name="bgAccFollowNode1">
-    <dgm:fillClrLst meth="repeat">
-      <a:schemeClr val="dk2">
-        <a:alpha val="90000"/>
-        <a:tint val="40000"/>
-      </a:schemeClr>
-    </dgm:fillClrLst>
-    <dgm:linClrLst meth="repeat">
-      <a:schemeClr val="dk2">
-        <a:alpha val="90000"/>
-        <a:tint val="40000"/>
-      </a:schemeClr>
-    </dgm:linClrLst>
-    <dgm:effectClrLst/>
-    <dgm:txLinClrLst/>
-    <dgm:txFillClrLst meth="repeat">
-      <a:schemeClr val="dk1"/>
-    </dgm:txFillClrLst>
-    <dgm:txEffectClrLst/>
-  </dgm:styleLbl>
-  <dgm:styleLbl name="fgAcc0">
-    <dgm:fillClrLst meth="repeat">
-      <a:schemeClr val="lt2">
-        <a:alpha val="90000"/>
-      </a:schemeClr>
-    </dgm:fillClrLst>
-    <dgm:linClrLst meth="repeat">
-      <a:schemeClr val="dk2"/>
-    </dgm:linClrLst>
-    <dgm:effectClrLst/>
-    <dgm:txLinClrLst/>
-    <dgm:txFillClrLst meth="repeat">
-      <a:schemeClr val="dk1"/>
-    </dgm:txFillClrLst>
-    <dgm:txEffectClrLst/>
-  </dgm:styleLbl>
-  <dgm:styleLbl name="fgAcc2">
-    <dgm:fillClrLst meth="repeat">
-      <a:schemeClr val="lt2">
-        <a:alpha val="90000"/>
-      </a:schemeClr>
-    </dgm:fillClrLst>
-    <dgm:linClrLst meth="repeat">
-      <a:schemeClr val="dk2"/>
-    </dgm:linClrLst>
-    <dgm:effectClrLst/>
-    <dgm:txLinClrLst/>
-    <dgm:txFillClrLst meth="repeat">
-      <a:schemeClr val="dk1"/>
-    </dgm:txFillClrLst>
-    <dgm:txEffectClrLst/>
-  </dgm:styleLbl>
-  <dgm:styleLbl name="fgAcc3">
-    <dgm:fillClrLst meth="repeat">
-      <a:schemeClr val="lt2">
-        <a:alpha val="90000"/>
-      </a:schemeClr>
-    </dgm:fillClrLst>
-    <dgm:linClrLst meth="repeat">
-      <a:schemeClr val="dk2"/>
-    </dgm:linClrLst>
-    <dgm:effectClrLst/>
-    <dgm:txLinClrLst/>
-    <dgm:txFillClrLst meth="repeat">
-      <a:schemeClr val="dk1"/>
-    </dgm:txFillClrLst>
-    <dgm:txEffectClrLst/>
-  </dgm:styleLbl>
-  <dgm:styleLbl name="fgAcc4">
-    <dgm:fillClrLst meth="repeat">
-      <a:schemeClr val="lt2">
-        <a:alpha val="90000"/>
-      </a:schemeClr>
-    </dgm:fillClrLst>
-    <dgm:linClrLst meth="repeat">
-      <a:schemeClr val="dk2"/>
-    </dgm:linClrLst>
-    <dgm:effectClrLst/>
-    <dgm:txLinClrLst/>
-    <dgm:txFillClrLst meth="repeat">
-      <a:schemeClr val="dk1"/>
-    </dgm:txFillClrLst>
-    <dgm:txEffectClrLst/>
-  </dgm:styleLbl>
-  <dgm:styleLbl name="bgShp">
-    <dgm:fillClrLst meth="repeat">
-      <a:schemeClr val="dk2">
-        <a:tint val="40000"/>
-      </a:schemeClr>
-    </dgm:fillClrLst>
-    <dgm:linClrLst meth="repeat">
-      <a:schemeClr val="dk2"/>
-    </dgm:linClrLst>
-    <dgm:effectClrLst/>
-    <dgm:txLinClrLst/>
-    <dgm:txFillClrLst meth="repeat">
-      <a:schemeClr val="dk1"/>
-    </dgm:txFillClrLst>
-    <dgm:txEffectClrLst/>
-  </dgm:styleLbl>
-  <dgm:styleLbl name="dkBgShp">
-    <dgm:fillClrLst meth="repeat">
-      <a:schemeClr val="dk2">
-        <a:shade val="80000"/>
-      </a:schemeClr>
-    </dgm:fillClrLst>
-    <dgm:linClrLst meth="repeat">
-      <a:schemeClr val="dk2"/>
-    </dgm:linClrLst>
-    <dgm:effectClrLst/>
-    <dgm:txLinClrLst/>
-    <dgm:txFillClrLst meth="repeat">
-      <a:schemeClr val="lt1"/>
-    </dgm:txFillClrLst>
-    <dgm:txEffectClrLst/>
-  </dgm:styleLbl>
-  <dgm:styleLbl name="trBgShp">
-    <dgm:fillClrLst meth="repeat">
-      <a:schemeClr val="dk2">
-        <a:tint val="50000"/>
-        <a:alpha val="40000"/>
-      </a:schemeClr>
-    </dgm:fillClrLst>
-    <dgm:linClrLst meth="repeat">
-      <a:schemeClr val="dk2"/>
-    </dgm:linClrLst>
-    <dgm:effectClrLst/>
-    <dgm:txLinClrLst/>
-    <dgm:txFillClrLst meth="repeat">
-      <a:schemeClr val="lt1"/>
-    </dgm:txFillClrLst>
-    <dgm:txEffectClrLst/>
-  </dgm:styleLbl>
-  <dgm:styleLbl name="fgShp">
-    <dgm:fillClrLst meth="repeat">
-      <a:schemeClr val="dk2">
-        <a:tint val="60000"/>
-      </a:schemeClr>
-    </dgm:fillClrLst>
-    <dgm:linClrLst meth="repeat">
-      <a:schemeClr val="lt2"/>
-    </dgm:linClrLst>
-    <dgm:effectClrLst/>
-    <dgm:txLinClrLst/>
-    <dgm:txFillClrLst meth="repeat">
-      <a:schemeClr val="dk1"/>
-    </dgm:txFillClrLst>
-    <dgm:txEffectClrLst/>
-  </dgm:styleLbl>
-  <dgm:styleLbl name="revTx">
-    <dgm:fillClrLst meth="repeat">
-      <a:schemeClr val="lt2">
-        <a:alpha val="0"/>
-      </a:schemeClr>
-    </dgm:fillClrLst>
-    <dgm:linClrLst meth="repeat">
-      <a:schemeClr val="dk1">
-        <a:alpha val="0"/>
-      </a:schemeClr>
-    </dgm:linClrLst>
-    <dgm:effectClrLst/>
-    <dgm:txLinClrLst/>
-    <dgm:txFillClrLst meth="repeat">
-      <a:schemeClr val="tx1"/>
-    </dgm:txFillClrLst>
-    <dgm:txEffectClrLst/>
-  </dgm:styleLbl>
-</dgm:colorsDef>
-</file>
-
-<file path=ppt/diagrams/data1.xml><?xml version="1.0" encoding="utf-8"?>
-<dgm:dataModel xmlns:dgm="http://schemas.openxmlformats.org/drawingml/2006/diagram" xmlns:a="http://schemas.openxmlformats.org/drawingml/2006/main">
-  <dgm:ptLst>
-    <dgm:pt modelId="{FD7C1D5C-F9FB-425A-85A7-B5C873EE624A}" type="doc">
-      <dgm:prSet loTypeId="urn:microsoft.com/office/officeart/2005/8/layout/hList1" loCatId="list" qsTypeId="urn:microsoft.com/office/officeart/2005/8/quickstyle/simple1" qsCatId="simple" csTypeId="urn:microsoft.com/office/officeart/2005/8/colors/accent0_3" csCatId="mainScheme" phldr="1"/>
-      <dgm:spPr/>
-      <dgm:t>
-        <a:bodyPr/>
-        <a:lstStyle/>
-        <a:p>
-          <a:endParaRPr lang="en-US"/>
-        </a:p>
-      </dgm:t>
-    </dgm:pt>
-    <dgm:pt modelId="{1B47663C-7C38-4A41-8879-A5CA77457E3A}">
-      <dgm:prSet/>
-      <dgm:spPr/>
-      <dgm:t>
-        <a:bodyPr/>
-        <a:lstStyle/>
-        <a:p>
-          <a:pPr rtl="0"/>
-          <a:r>
-            <a:rPr lang="en-US" b="1" dirty="0" smtClean="0"/>
-            <a:t>GROUP 1</a:t>
-          </a:r>
-          <a:endParaRPr lang="en-US" dirty="0"/>
-        </a:p>
-      </dgm:t>
-    </dgm:pt>
-    <dgm:pt modelId="{1DAD029B-67D8-4DE8-95BD-E535CD6A392A}" type="parTrans" cxnId="{8AED1468-E0A5-409C-AA5F-468EB92DE0FF}">
-      <dgm:prSet/>
-      <dgm:spPr/>
-      <dgm:t>
-        <a:bodyPr/>
-        <a:lstStyle/>
-        <a:p>
-          <a:endParaRPr lang="en-US"/>
-        </a:p>
-      </dgm:t>
-    </dgm:pt>
-    <dgm:pt modelId="{C515B078-DCF1-4B65-8F9D-5A75B8C06702}" type="sibTrans" cxnId="{8AED1468-E0A5-409C-AA5F-468EB92DE0FF}">
-      <dgm:prSet/>
-      <dgm:spPr/>
-      <dgm:t>
-        <a:bodyPr/>
-        <a:lstStyle/>
-        <a:p>
-          <a:endParaRPr lang="en-US"/>
-        </a:p>
-      </dgm:t>
-    </dgm:pt>
-    <dgm:pt modelId="{0AD1CE00-3FA2-47F8-A0CA-BCF66CD771E8}">
-      <dgm:prSet/>
-      <dgm:spPr/>
-      <dgm:t>
-        <a:bodyPr/>
-        <a:lstStyle/>
-        <a:p>
-          <a:pPr rtl="0"/>
-          <a:r>
-            <a:rPr lang="en-US" dirty="0" smtClean="0"/>
-            <a:t>The majority of these people are parents</a:t>
-          </a:r>
-          <a:endParaRPr lang="en-US" dirty="0"/>
-        </a:p>
-      </dgm:t>
-    </dgm:pt>
-    <dgm:pt modelId="{30F577F3-6692-4A1C-BB9A-DA83D7D10CF9}" type="parTrans" cxnId="{1742850A-DB3A-4C42-9C2B-AF4764AF9438}">
-      <dgm:prSet/>
-      <dgm:spPr/>
-      <dgm:t>
-        <a:bodyPr/>
-        <a:lstStyle/>
-        <a:p>
-          <a:endParaRPr lang="en-US"/>
-        </a:p>
-      </dgm:t>
-    </dgm:pt>
-    <dgm:pt modelId="{C744BA16-A7A4-42EF-9687-D559580492DE}" type="sibTrans" cxnId="{1742850A-DB3A-4C42-9C2B-AF4764AF9438}">
-      <dgm:prSet/>
-      <dgm:spPr/>
-      <dgm:t>
-        <a:bodyPr/>
-        <a:lstStyle/>
-        <a:p>
-          <a:endParaRPr lang="en-US"/>
-        </a:p>
-      </dgm:t>
-    </dgm:pt>
-    <dgm:pt modelId="{38A31276-14EE-4EFB-AE98-BFE944C0CD61}">
-      <dgm:prSet/>
-      <dgm:spPr/>
-      <dgm:t>
-        <a:bodyPr/>
-        <a:lstStyle/>
-        <a:p>
-          <a:r>
-            <a:rPr lang="en-US" dirty="0" smtClean="0"/>
-            <a:t>At the max have 3 members in the family and at least 2</a:t>
-          </a:r>
-          <a:endParaRPr lang="en-US" dirty="0"/>
-        </a:p>
-      </dgm:t>
-    </dgm:pt>
-    <dgm:pt modelId="{8D6ED609-EA1E-4CEE-BAE7-434CA77B13EA}" type="parTrans" cxnId="{9764CE75-1291-4F47-88B3-DAD106A431B7}">
-      <dgm:prSet/>
-      <dgm:spPr/>
-      <dgm:t>
-        <a:bodyPr/>
-        <a:lstStyle/>
-        <a:p>
-          <a:endParaRPr lang="en-US"/>
-        </a:p>
-      </dgm:t>
-    </dgm:pt>
-    <dgm:pt modelId="{18270076-983F-41A9-B78D-FA22181658A3}" type="sibTrans" cxnId="{9764CE75-1291-4F47-88B3-DAD106A431B7}">
-      <dgm:prSet/>
-      <dgm:spPr/>
-      <dgm:t>
-        <a:bodyPr/>
-        <a:lstStyle/>
-        <a:p>
-          <a:endParaRPr lang="en-US"/>
-        </a:p>
-      </dgm:t>
-    </dgm:pt>
-    <dgm:pt modelId="{C35B5CC7-D6F2-4381-B1EF-1E27DEA92F31}">
-      <dgm:prSet/>
-      <dgm:spPr/>
-      <dgm:t>
-        <a:bodyPr/>
-        <a:lstStyle/>
-        <a:p>
-          <a:r>
-            <a:rPr lang="en-US" dirty="0" smtClean="0"/>
-            <a:t>Single parents are subset of this group</a:t>
-          </a:r>
-          <a:endParaRPr lang="en-US" dirty="0"/>
-        </a:p>
-      </dgm:t>
-    </dgm:pt>
-    <dgm:pt modelId="{CAC011AA-3EA1-43DC-B51D-1A5BD8CA08C5}" type="parTrans" cxnId="{32E0D259-9860-4524-9E5D-B3F8AA822EED}">
-      <dgm:prSet/>
-      <dgm:spPr/>
-      <dgm:t>
-        <a:bodyPr/>
-        <a:lstStyle/>
-        <a:p>
-          <a:endParaRPr lang="en-US"/>
-        </a:p>
-      </dgm:t>
-    </dgm:pt>
-    <dgm:pt modelId="{10F1ED45-8CE7-4184-B469-E31CD3A61A95}" type="sibTrans" cxnId="{32E0D259-9860-4524-9E5D-B3F8AA822EED}">
-      <dgm:prSet/>
-      <dgm:spPr/>
-      <dgm:t>
-        <a:bodyPr/>
-        <a:lstStyle/>
-        <a:p>
-          <a:endParaRPr lang="en-US"/>
-        </a:p>
-      </dgm:t>
-    </dgm:pt>
-    <dgm:pt modelId="{B67BF8C5-553E-420D-B52B-CF44E5C6B328}">
-      <dgm:prSet/>
-      <dgm:spPr/>
-      <dgm:t>
-        <a:bodyPr/>
-        <a:lstStyle/>
-        <a:p>
-          <a:r>
-            <a:rPr lang="en-US" dirty="0" smtClean="0"/>
-            <a:t>Most have a teenage at home</a:t>
-          </a:r>
-          <a:endParaRPr lang="en-US" dirty="0"/>
-        </a:p>
-      </dgm:t>
-    </dgm:pt>
-    <dgm:pt modelId="{C22981F0-E8F4-4823-81B0-B1DD329A5A5F}" type="parTrans" cxnId="{10FBE8AD-7FF9-4858-BF1F-5F3021210E07}">
-      <dgm:prSet/>
-      <dgm:spPr/>
-      <dgm:t>
-        <a:bodyPr/>
-        <a:lstStyle/>
-        <a:p>
-          <a:endParaRPr lang="en-US"/>
-        </a:p>
-      </dgm:t>
-    </dgm:pt>
-    <dgm:pt modelId="{A7BE78C6-09FB-43E4-A84C-C5984856D130}" type="sibTrans" cxnId="{10FBE8AD-7FF9-4858-BF1F-5F3021210E07}">
-      <dgm:prSet/>
-      <dgm:spPr/>
-      <dgm:t>
-        <a:bodyPr/>
-        <a:lstStyle/>
-        <a:p>
-          <a:endParaRPr lang="en-US"/>
-        </a:p>
-      </dgm:t>
-    </dgm:pt>
-    <dgm:pt modelId="{56BE5602-3BE3-4BB4-BA8B-7D92BD148179}">
-      <dgm:prSet/>
-      <dgm:spPr/>
-      <dgm:t>
-        <a:bodyPr/>
-        <a:lstStyle/>
-        <a:p>
-          <a:r>
-            <a:rPr lang="en-US" dirty="0" smtClean="0"/>
-            <a:t>Relatively older</a:t>
-          </a:r>
-          <a:endParaRPr lang="en-US" dirty="0"/>
-        </a:p>
-      </dgm:t>
-    </dgm:pt>
-    <dgm:pt modelId="{6558BCD9-4043-470D-8CC5-DE1675CDB104}" type="parTrans" cxnId="{FF2D3D16-50F7-44E9-BE1A-F256BEC1E02B}">
-      <dgm:prSet/>
-      <dgm:spPr/>
-      <dgm:t>
-        <a:bodyPr/>
-        <a:lstStyle/>
-        <a:p>
-          <a:endParaRPr lang="en-US"/>
-        </a:p>
-      </dgm:t>
-    </dgm:pt>
-    <dgm:pt modelId="{45E43849-E5E0-452C-95BA-88F41BD4BA6A}" type="sibTrans" cxnId="{FF2D3D16-50F7-44E9-BE1A-F256BEC1E02B}">
-      <dgm:prSet/>
-      <dgm:spPr/>
-      <dgm:t>
-        <a:bodyPr/>
-        <a:lstStyle/>
-        <a:p>
-          <a:endParaRPr lang="en-US"/>
-        </a:p>
-      </dgm:t>
-    </dgm:pt>
-    <dgm:pt modelId="{80E6798D-035D-4D65-BA7F-5D4B97C7DEE7}" type="pres">
-      <dgm:prSet presAssocID="{FD7C1D5C-F9FB-425A-85A7-B5C873EE624A}" presName="Name0" presStyleCnt="0">
-        <dgm:presLayoutVars>
-          <dgm:dir/>
-          <dgm:animLvl val="lvl"/>
-          <dgm:resizeHandles val="exact"/>
-        </dgm:presLayoutVars>
-      </dgm:prSet>
-      <dgm:spPr/>
-      <dgm:t>
-        <a:bodyPr/>
-        <a:lstStyle/>
-        <a:p>
-          <a:endParaRPr lang="en-US"/>
-        </a:p>
-      </dgm:t>
-    </dgm:pt>
-    <dgm:pt modelId="{004986C3-F8E1-40D8-BBD0-4D3F5D99DDEA}" type="pres">
-      <dgm:prSet presAssocID="{1B47663C-7C38-4A41-8879-A5CA77457E3A}" presName="composite" presStyleCnt="0"/>
-      <dgm:spPr/>
-    </dgm:pt>
-    <dgm:pt modelId="{FA11A5AD-ADC0-4CE7-A974-449B91E29ED7}" type="pres">
-      <dgm:prSet presAssocID="{1B47663C-7C38-4A41-8879-A5CA77457E3A}" presName="parTx" presStyleLbl="alignNode1" presStyleIdx="0" presStyleCnt="1">
-        <dgm:presLayoutVars>
-          <dgm:chMax val="0"/>
-          <dgm:chPref val="0"/>
-          <dgm:bulletEnabled val="1"/>
-        </dgm:presLayoutVars>
-      </dgm:prSet>
-      <dgm:spPr/>
-      <dgm:t>
-        <a:bodyPr/>
-        <a:lstStyle/>
-        <a:p>
-          <a:endParaRPr lang="en-US"/>
-        </a:p>
-      </dgm:t>
-    </dgm:pt>
-    <dgm:pt modelId="{7A3E3882-CDE4-4771-8825-3E57089091B7}" type="pres">
-      <dgm:prSet presAssocID="{1B47663C-7C38-4A41-8879-A5CA77457E3A}" presName="desTx" presStyleLbl="alignAccFollowNode1" presStyleIdx="0" presStyleCnt="1">
-        <dgm:presLayoutVars>
-          <dgm:bulletEnabled val="1"/>
-        </dgm:presLayoutVars>
-      </dgm:prSet>
-      <dgm:spPr/>
-      <dgm:t>
-        <a:bodyPr/>
-        <a:lstStyle/>
-        <a:p>
-          <a:endParaRPr lang="en-US"/>
-        </a:p>
-      </dgm:t>
-    </dgm:pt>
-  </dgm:ptLst>
-  <dgm:cxnLst>
-    <dgm:cxn modelId="{9F8F7420-27DB-4A22-A3F5-7CE3F4FF156D}" type="presOf" srcId="{1B47663C-7C38-4A41-8879-A5CA77457E3A}" destId="{FA11A5AD-ADC0-4CE7-A974-449B91E29ED7}" srcOrd="0" destOrd="0" presId="urn:microsoft.com/office/officeart/2005/8/layout/hList1"/>
-    <dgm:cxn modelId="{E56422E3-4D9E-4E46-B9D9-C66CC07FC78C}" type="presOf" srcId="{0AD1CE00-3FA2-47F8-A0CA-BCF66CD771E8}" destId="{7A3E3882-CDE4-4771-8825-3E57089091B7}" srcOrd="0" destOrd="0" presId="urn:microsoft.com/office/officeart/2005/8/layout/hList1"/>
-    <dgm:cxn modelId="{1742850A-DB3A-4C42-9C2B-AF4764AF9438}" srcId="{1B47663C-7C38-4A41-8879-A5CA77457E3A}" destId="{0AD1CE00-3FA2-47F8-A0CA-BCF66CD771E8}" srcOrd="0" destOrd="0" parTransId="{30F577F3-6692-4A1C-BB9A-DA83D7D10CF9}" sibTransId="{C744BA16-A7A4-42EF-9687-D559580492DE}"/>
-    <dgm:cxn modelId="{76107459-716E-4600-98E6-BFD7F863BB8E}" type="presOf" srcId="{C35B5CC7-D6F2-4381-B1EF-1E27DEA92F31}" destId="{7A3E3882-CDE4-4771-8825-3E57089091B7}" srcOrd="0" destOrd="2" presId="urn:microsoft.com/office/officeart/2005/8/layout/hList1"/>
-    <dgm:cxn modelId="{10FBE8AD-7FF9-4858-BF1F-5F3021210E07}" srcId="{1B47663C-7C38-4A41-8879-A5CA77457E3A}" destId="{B67BF8C5-553E-420D-B52B-CF44E5C6B328}" srcOrd="3" destOrd="0" parTransId="{C22981F0-E8F4-4823-81B0-B1DD329A5A5F}" sibTransId="{A7BE78C6-09FB-43E4-A84C-C5984856D130}"/>
-    <dgm:cxn modelId="{32E0D259-9860-4524-9E5D-B3F8AA822EED}" srcId="{1B47663C-7C38-4A41-8879-A5CA77457E3A}" destId="{C35B5CC7-D6F2-4381-B1EF-1E27DEA92F31}" srcOrd="2" destOrd="0" parTransId="{CAC011AA-3EA1-43DC-B51D-1A5BD8CA08C5}" sibTransId="{10F1ED45-8CE7-4184-B469-E31CD3A61A95}"/>
-    <dgm:cxn modelId="{63FF1079-16CC-4E9B-A21A-438379A9D386}" type="presOf" srcId="{38A31276-14EE-4EFB-AE98-BFE944C0CD61}" destId="{7A3E3882-CDE4-4771-8825-3E57089091B7}" srcOrd="0" destOrd="1" presId="urn:microsoft.com/office/officeart/2005/8/layout/hList1"/>
-    <dgm:cxn modelId="{BF1670ED-2579-4744-AFEB-B998DF41DB9B}" type="presOf" srcId="{B67BF8C5-553E-420D-B52B-CF44E5C6B328}" destId="{7A3E3882-CDE4-4771-8825-3E57089091B7}" srcOrd="0" destOrd="3" presId="urn:microsoft.com/office/officeart/2005/8/layout/hList1"/>
-    <dgm:cxn modelId="{8AED1468-E0A5-409C-AA5F-468EB92DE0FF}" srcId="{FD7C1D5C-F9FB-425A-85A7-B5C873EE624A}" destId="{1B47663C-7C38-4A41-8879-A5CA77457E3A}" srcOrd="0" destOrd="0" parTransId="{1DAD029B-67D8-4DE8-95BD-E535CD6A392A}" sibTransId="{C515B078-DCF1-4B65-8F9D-5A75B8C06702}"/>
-    <dgm:cxn modelId="{9F8C043B-A2F7-401E-8E7A-E8589E8EB92B}" type="presOf" srcId="{56BE5602-3BE3-4BB4-BA8B-7D92BD148179}" destId="{7A3E3882-CDE4-4771-8825-3E57089091B7}" srcOrd="0" destOrd="4" presId="urn:microsoft.com/office/officeart/2005/8/layout/hList1"/>
-    <dgm:cxn modelId="{23706D71-AF20-4822-BD89-FD1A12943D43}" type="presOf" srcId="{FD7C1D5C-F9FB-425A-85A7-B5C873EE624A}" destId="{80E6798D-035D-4D65-BA7F-5D4B97C7DEE7}" srcOrd="0" destOrd="0" presId="urn:microsoft.com/office/officeart/2005/8/layout/hList1"/>
-    <dgm:cxn modelId="{9764CE75-1291-4F47-88B3-DAD106A431B7}" srcId="{1B47663C-7C38-4A41-8879-A5CA77457E3A}" destId="{38A31276-14EE-4EFB-AE98-BFE944C0CD61}" srcOrd="1" destOrd="0" parTransId="{8D6ED609-EA1E-4CEE-BAE7-434CA77B13EA}" sibTransId="{18270076-983F-41A9-B78D-FA22181658A3}"/>
-    <dgm:cxn modelId="{FF2D3D16-50F7-44E9-BE1A-F256BEC1E02B}" srcId="{1B47663C-7C38-4A41-8879-A5CA77457E3A}" destId="{56BE5602-3BE3-4BB4-BA8B-7D92BD148179}" srcOrd="4" destOrd="0" parTransId="{6558BCD9-4043-470D-8CC5-DE1675CDB104}" sibTransId="{45E43849-E5E0-452C-95BA-88F41BD4BA6A}"/>
-    <dgm:cxn modelId="{BCB8B041-76B3-4BE5-B33B-D7923D581622}" type="presParOf" srcId="{80E6798D-035D-4D65-BA7F-5D4B97C7DEE7}" destId="{004986C3-F8E1-40D8-BBD0-4D3F5D99DDEA}" srcOrd="0" destOrd="0" presId="urn:microsoft.com/office/officeart/2005/8/layout/hList1"/>
-    <dgm:cxn modelId="{80AA680F-9EBB-4E17-BDF6-126C928BB453}" type="presParOf" srcId="{004986C3-F8E1-40D8-BBD0-4D3F5D99DDEA}" destId="{FA11A5AD-ADC0-4CE7-A974-449B91E29ED7}" srcOrd="0" destOrd="0" presId="urn:microsoft.com/office/officeart/2005/8/layout/hList1"/>
-    <dgm:cxn modelId="{D982F620-BC47-40E3-A464-14628F756115}" type="presParOf" srcId="{004986C3-F8E1-40D8-BBD0-4D3F5D99DDEA}" destId="{7A3E3882-CDE4-4771-8825-3E57089091B7}" srcOrd="1" destOrd="0" presId="urn:microsoft.com/office/officeart/2005/8/layout/hList1"/>
-  </dgm:cxnLst>
-  <dgm:bg/>
-  <dgm:whole/>
-  <dgm:extLst>
-    <a:ext uri="http://schemas.microsoft.com/office/drawing/2008/diagram">
-      <dsp:dataModelExt xmlns:dsp="http://schemas.microsoft.com/office/drawing/2008/diagram" relId="rId8" minVer="http://schemas.openxmlformats.org/drawingml/2006/diagram"/>
-    </a:ext>
-  </dgm:extLst>
-</dgm:dataModel>
-</file>
-
-<file path=ppt/diagrams/drawing1.xml><?xml version="1.0" encoding="utf-8"?>
-<dsp:drawing xmlns:dgm="http://schemas.openxmlformats.org/drawingml/2006/diagram" xmlns:dsp="http://schemas.microsoft.com/office/drawing/2008/diagram" xmlns:a="http://schemas.openxmlformats.org/drawingml/2006/main">
-  <dsp:spTree>
-    <dsp:nvGrpSpPr>
-      <dsp:cNvPr id="0" name=""/>
-      <dsp:cNvGrpSpPr/>
-    </dsp:nvGrpSpPr>
-    <dsp:grpSpPr/>
-    <dsp:sp modelId="{FA11A5AD-ADC0-4CE7-A974-449B91E29ED7}">
-      <dsp:nvSpPr>
-        <dsp:cNvPr id="0" name=""/>
-        <dsp:cNvSpPr/>
-      </dsp:nvSpPr>
-      <dsp:spPr>
-        <a:xfrm>
-          <a:off x="0" y="2752"/>
-          <a:ext cx="3643750" cy="489600"/>
-        </a:xfrm>
-        <a:prstGeom prst="rect">
-          <a:avLst/>
-        </a:prstGeom>
-        <a:solidFill>
-          <a:schemeClr val="dk2">
-            <a:hueOff val="0"/>
-            <a:satOff val="0"/>
-            <a:lumOff val="0"/>
-            <a:alphaOff val="0"/>
-          </a:schemeClr>
-        </a:solidFill>
-        <a:ln w="15875" cap="rnd" cmpd="sng" algn="ctr">
-          <a:solidFill>
-            <a:schemeClr val="dk2">
-              <a:hueOff val="0"/>
-              <a:satOff val="0"/>
-              <a:lumOff val="0"/>
-              <a:alphaOff val="0"/>
-            </a:schemeClr>
-          </a:solidFill>
-          <a:prstDash val="solid"/>
-        </a:ln>
-        <a:effectLst/>
-      </dsp:spPr>
-      <dsp:style>
-        <a:lnRef idx="2">
-          <a:scrgbClr r="0" g="0" b="0"/>
-        </a:lnRef>
-        <a:fillRef idx="1">
-          <a:scrgbClr r="0" g="0" b="0"/>
-        </a:fillRef>
-        <a:effectRef idx="0">
-          <a:scrgbClr r="0" g="0" b="0"/>
-        </a:effectRef>
-        <a:fontRef idx="minor">
-          <a:schemeClr val="lt1"/>
-        </a:fontRef>
-      </dsp:style>
-      <dsp:txBody>
-        <a:bodyPr spcFirstLastPara="0" vert="horz" wrap="square" lIns="120904" tIns="69088" rIns="120904" bIns="69088" numCol="1" spcCol="1270" anchor="ctr" anchorCtr="0">
-          <a:noAutofit/>
-        </a:bodyPr>
-        <a:lstStyle/>
-        <a:p>
-          <a:pPr lvl="0" algn="ctr" defTabSz="755650" rtl="0">
-            <a:lnSpc>
-              <a:spcPct val="90000"/>
-            </a:lnSpc>
-            <a:spcBef>
-              <a:spcPct val="0"/>
-            </a:spcBef>
-            <a:spcAft>
-              <a:spcPct val="35000"/>
-            </a:spcAft>
-          </a:pPr>
-          <a:r>
-            <a:rPr lang="en-US" sz="1700" b="1" kern="1200" dirty="0" smtClean="0"/>
-            <a:t>GROUP 1</a:t>
-          </a:r>
-          <a:endParaRPr lang="en-US" sz="1700" kern="1200" dirty="0"/>
-        </a:p>
-      </dsp:txBody>
-      <dsp:txXfrm>
-        <a:off x="0" y="2752"/>
-        <a:ext cx="3643750" cy="489600"/>
-      </dsp:txXfrm>
-    </dsp:sp>
-    <dsp:sp modelId="{7A3E3882-CDE4-4771-8825-3E57089091B7}">
-      <dsp:nvSpPr>
-        <dsp:cNvPr id="0" name=""/>
-        <dsp:cNvSpPr/>
-      </dsp:nvSpPr>
-      <dsp:spPr>
-        <a:xfrm>
-          <a:off x="0" y="492353"/>
-          <a:ext cx="3643750" cy="2333250"/>
-        </a:xfrm>
-        <a:prstGeom prst="rect">
-          <a:avLst/>
-        </a:prstGeom>
-        <a:solidFill>
-          <a:schemeClr val="dk2">
-            <a:alpha val="90000"/>
-            <a:tint val="40000"/>
-            <a:hueOff val="0"/>
-            <a:satOff val="0"/>
-            <a:lumOff val="0"/>
-            <a:alphaOff val="0"/>
-          </a:schemeClr>
-        </a:solidFill>
-        <a:ln w="15875" cap="rnd" cmpd="sng" algn="ctr">
-          <a:solidFill>
-            <a:schemeClr val="dk2">
-              <a:alpha val="90000"/>
-              <a:tint val="40000"/>
-              <a:hueOff val="0"/>
-              <a:satOff val="0"/>
-              <a:lumOff val="0"/>
-              <a:alphaOff val="0"/>
-            </a:schemeClr>
-          </a:solidFill>
-          <a:prstDash val="solid"/>
-        </a:ln>
-        <a:effectLst/>
-      </dsp:spPr>
-      <dsp:style>
-        <a:lnRef idx="2">
-          <a:scrgbClr r="0" g="0" b="0"/>
-        </a:lnRef>
-        <a:fillRef idx="1">
-          <a:scrgbClr r="0" g="0" b="0"/>
-        </a:fillRef>
-        <a:effectRef idx="0">
-          <a:scrgbClr r="0" g="0" b="0"/>
-        </a:effectRef>
-        <a:fontRef idx="minor"/>
-      </dsp:style>
-      <dsp:txBody>
-        <a:bodyPr spcFirstLastPara="0" vert="horz" wrap="square" lIns="90678" tIns="90678" rIns="120904" bIns="136017" numCol="1" spcCol="1270" anchor="t" anchorCtr="0">
-          <a:noAutofit/>
-        </a:bodyPr>
-        <a:lstStyle/>
-        <a:p>
-          <a:pPr marL="171450" lvl="1" indent="-171450" algn="l" defTabSz="755650" rtl="0">
-            <a:lnSpc>
-              <a:spcPct val="90000"/>
-            </a:lnSpc>
-            <a:spcBef>
-              <a:spcPct val="0"/>
-            </a:spcBef>
-            <a:spcAft>
-              <a:spcPct val="15000"/>
-            </a:spcAft>
-            <a:buChar char="••"/>
-          </a:pPr>
-          <a:r>
-            <a:rPr lang="en-US" sz="1700" kern="1200" dirty="0" smtClean="0"/>
-            <a:t>The majority of these people are parents</a:t>
-          </a:r>
-          <a:endParaRPr lang="en-US" sz="1700" kern="1200" dirty="0"/>
-        </a:p>
-        <a:p>
-          <a:pPr marL="171450" lvl="1" indent="-171450" algn="l" defTabSz="755650">
-            <a:lnSpc>
-              <a:spcPct val="90000"/>
-            </a:lnSpc>
-            <a:spcBef>
-              <a:spcPct val="0"/>
-            </a:spcBef>
-            <a:spcAft>
-              <a:spcPct val="15000"/>
-            </a:spcAft>
-            <a:buChar char="••"/>
-          </a:pPr>
-          <a:r>
-            <a:rPr lang="en-US" sz="1700" kern="1200" dirty="0" smtClean="0"/>
-            <a:t>At the max have 3 members in the family and at least 2</a:t>
-          </a:r>
-          <a:endParaRPr lang="en-US" sz="1700" kern="1200" dirty="0"/>
-        </a:p>
-        <a:p>
-          <a:pPr marL="171450" lvl="1" indent="-171450" algn="l" defTabSz="755650">
-            <a:lnSpc>
-              <a:spcPct val="90000"/>
-            </a:lnSpc>
-            <a:spcBef>
-              <a:spcPct val="0"/>
-            </a:spcBef>
-            <a:spcAft>
-              <a:spcPct val="15000"/>
-            </a:spcAft>
-            <a:buChar char="••"/>
-          </a:pPr>
-          <a:r>
-            <a:rPr lang="en-US" sz="1700" kern="1200" dirty="0" smtClean="0"/>
-            <a:t>Single parents are subset of this group</a:t>
-          </a:r>
-          <a:endParaRPr lang="en-US" sz="1700" kern="1200" dirty="0"/>
-        </a:p>
-        <a:p>
-          <a:pPr marL="171450" lvl="1" indent="-171450" algn="l" defTabSz="755650">
-            <a:lnSpc>
-              <a:spcPct val="90000"/>
-            </a:lnSpc>
-            <a:spcBef>
-              <a:spcPct val="0"/>
-            </a:spcBef>
-            <a:spcAft>
-              <a:spcPct val="15000"/>
-            </a:spcAft>
-            <a:buChar char="••"/>
-          </a:pPr>
-          <a:r>
-            <a:rPr lang="en-US" sz="1700" kern="1200" dirty="0" smtClean="0"/>
-            <a:t>Most have a teenage at home</a:t>
-          </a:r>
-          <a:endParaRPr lang="en-US" sz="1700" kern="1200" dirty="0"/>
-        </a:p>
-        <a:p>
-          <a:pPr marL="171450" lvl="1" indent="-171450" algn="l" defTabSz="755650">
-            <a:lnSpc>
-              <a:spcPct val="90000"/>
-            </a:lnSpc>
-            <a:spcBef>
-              <a:spcPct val="0"/>
-            </a:spcBef>
-            <a:spcAft>
-              <a:spcPct val="15000"/>
-            </a:spcAft>
-            <a:buChar char="••"/>
-          </a:pPr>
-          <a:r>
-            <a:rPr lang="en-US" sz="1700" kern="1200" dirty="0" smtClean="0"/>
-            <a:t>Relatively older</a:t>
-          </a:r>
-          <a:endParaRPr lang="en-US" sz="1700" kern="1200" dirty="0"/>
-        </a:p>
-      </dsp:txBody>
-      <dsp:txXfrm>
-        <a:off x="0" y="492353"/>
-        <a:ext cx="3643750" cy="2333250"/>
-      </dsp:txXfrm>
-    </dsp:sp>
-  </dsp:spTree>
-</dsp:drawing>
-</file>
-
-<file path=ppt/diagrams/layout1.xml><?xml version="1.0" encoding="utf-8"?>
-<dgm:layoutDef xmlns:dgm="http://schemas.openxmlformats.org/drawingml/2006/diagram" xmlns:a="http://schemas.openxmlformats.org/drawingml/2006/main" uniqueId="urn:microsoft.com/office/officeart/2005/8/layout/hList1">
-  <dgm:title val=""/>
-  <dgm:desc val=""/>
-  <dgm:catLst>
-    <dgm:cat type="list" pri="5000"/>
-    <dgm:cat type="convert" pri="5000"/>
-  </dgm:catLst>
-  <dgm:sampData>
-    <dgm:dataModel>
-      <dgm:ptLst>
-        <dgm:pt modelId="0" type="doc"/>
-        <dgm:pt modelId="1">
-          <dgm:prSet phldr="1"/>
-        </dgm:pt>
-        <dgm:pt modelId="11">
-          <dgm:prSet phldr="1"/>
-        </dgm:pt>
-        <dgm:pt modelId="12">
-          <dgm:prSet phldr="1"/>
-        </dgm:pt>
-        <dgm:pt modelId="2">
-          <dgm:prSet phldr="1"/>
-        </dgm:pt>
-        <dgm:pt modelId="21">
-          <dgm:prSet phldr="1"/>
-        </dgm:pt>
-        <dgm:pt modelId="22">
-          <dgm:prSet phldr="1"/>
-        </dgm:pt>
-        <dgm:pt modelId="3">
-          <dgm:prSet phldr="1"/>
-        </dgm:pt>
-        <dgm:pt modelId="31">
-          <dgm:prSet phldr="1"/>
-        </dgm:pt>
-        <dgm:pt modelId="32">
-          <dgm:prSet phldr="1"/>
-        </dgm:pt>
-      </dgm:ptLst>
-      <dgm:cxnLst>
-        <dgm:cxn modelId="4" srcId="0" destId="1" srcOrd="0" destOrd="0"/>
-        <dgm:cxn modelId="5" srcId="0" destId="2" srcOrd="1" destOrd="0"/>
-        <dgm:cxn modelId="6" srcId="0" destId="3" srcOrd="2" destOrd="0"/>
-        <dgm:cxn modelId="13" srcId="1" destId="11" srcOrd="0" destOrd="0"/>
-        <dgm:cxn modelId="14" srcId="1" destId="12" srcOrd="1" destOrd="0"/>
-        <dgm:cxn modelId="23" srcId="2" destId="21" srcOrd="0" destOrd="0"/>
-        <dgm:cxn modelId="24" srcId="2" destId="22" srcOrd="1" destOrd="0"/>
-        <dgm:cxn modelId="33" srcId="3" destId="31" srcOrd="0" destOrd="0"/>
-        <dgm:cxn modelId="34" srcId="3" destId="32" srcOrd="1" destOrd="0"/>
-      </dgm:cxnLst>
-      <dgm:bg/>
-      <dgm:whole/>
-    </dgm:dataModel>
-  </dgm:sampData>
-  <dgm:styleData>
-    <dgm:dataModel>
-      <dgm:ptLst>
-        <dgm:pt modelId="0" type="doc"/>
-        <dgm:pt modelId="1">
-          <dgm:prSet phldr="1"/>
-        </dgm:pt>
-        <dgm:pt modelId="2">
-          <dgm:prSet phldr="1"/>
-        </dgm:pt>
-      </dgm:ptLst>
-      <dgm:cxnLst>
-        <dgm:cxn modelId="3" srcId="0" destId="1" srcOrd="0" destOrd="0"/>
-        <dgm:cxn modelId="4" srcId="0" destId="2" srcOrd="1" destOrd="0"/>
-      </dgm:cxnLst>
-      <dgm:bg/>
-      <dgm:whole/>
-    </dgm:dataModel>
-  </dgm:styleData>
-  <dgm:clrData>
-    <dgm:dataModel>
-      <dgm:ptLst>
-        <dgm:pt modelId="0" type="doc"/>
-        <dgm:pt modelId="1">
-          <dgm:prSet phldr="1"/>
-        </dgm:pt>
-        <dgm:pt modelId="2">
-          <dgm:prSet phldr="1"/>
-        </dgm:pt>
-        <dgm:pt modelId="3">
-          <dgm:prSet phldr="1"/>
-        </dgm:pt>
-        <dgm:pt modelId="4">
-          <dgm:prSet phldr="1"/>
-        </dgm:pt>
-      </dgm:ptLst>
-      <dgm:cxnLst>
-        <dgm:cxn modelId="5" srcId="0" destId="1" srcOrd="0" destOrd="0"/>
-        <dgm:cxn modelId="6" srcId="0" destId="2" srcOrd="1" destOrd="0"/>
-        <dgm:cxn modelId="7" srcId="0" destId="3" srcOrd="2" destOrd="0"/>
-        <dgm:cxn modelId="8" srcId="0" destId="4" srcOrd="3" destOrd="0"/>
-      </dgm:cxnLst>
-      <dgm:bg/>
-      <dgm:whole/>
-    </dgm:dataModel>
-  </dgm:clrData>
-  <dgm:layoutNode name="Name0">
-    <dgm:varLst>
-      <dgm:dir/>
-      <dgm:animLvl val="lvl"/>
-      <dgm:resizeHandles val="exact"/>
-    </dgm:varLst>
-    <dgm:choose name="Name1">
-      <dgm:if name="Name2" func="var" arg="dir" op="equ" val="norm">
-        <dgm:alg type="lin"/>
-      </dgm:if>
-      <dgm:else name="Name3">
-        <dgm:alg type="lin">
-          <dgm:param type="linDir" val="fromR"/>
-        </dgm:alg>
-      </dgm:else>
-    </dgm:choose>
-    <dgm:shape xmlns:r="http://schemas.openxmlformats.org/officeDocument/2006/relationships" r:blip="">
-      <dgm:adjLst/>
-    </dgm:shape>
-    <dgm:presOf/>
-    <dgm:constrLst>
-      <dgm:constr type="h" for="ch" forName="composite" refType="h"/>
-      <dgm:constr type="w" for="ch" forName="composite" refType="w"/>
-      <dgm:constr type="w" for="des" forName="parTx"/>
-      <dgm:constr type="h" for="des" forName="parTx" op="equ"/>
-      <dgm:constr type="w" for="des" forName="desTx"/>
-      <dgm:constr type="h" for="des" forName="desTx" op="equ"/>
-      <dgm:constr type="primFontSz" for="des" forName="parTx" val="65"/>
-      <dgm:constr type="secFontSz" for="des" forName="desTx" refType="primFontSz" refFor="des" refForName="parTx" op="equ"/>
-      <dgm:constr type="h" for="des" forName="parTx" refType="primFontSz" refFor="des" refForName="parTx" fact="0.8"/>
-      <dgm:constr type="h" for="des" forName="desTx" refType="primFontSz" refFor="des" refForName="parTx" fact="1.22"/>
-      <dgm:constr type="w" for="ch" forName="space" refType="w" refFor="ch" refForName="composite" op="equ" fact="0.14"/>
-    </dgm:constrLst>
-    <dgm:ruleLst>
-      <dgm:rule type="w" for="ch" forName="composite" val="0" fact="NaN" max="NaN"/>
-      <dgm:rule type="primFontSz" for="des" forName="parTx" val="5" fact="NaN" max="NaN"/>
-    </dgm:ruleLst>
-    <dgm:forEach name="Name4" axis="ch" ptType="node">
-      <dgm:layoutNode name="composite">
-        <dgm:alg type="composite"/>
-        <dgm:shape xmlns:r="http://schemas.openxmlformats.org/officeDocument/2006/relationships" r:blip="">
-          <dgm:adjLst/>
-        </dgm:shape>
-        <dgm:presOf/>
-        <dgm:constrLst>
-          <dgm:constr type="l" for="ch" forName="parTx"/>
-          <dgm:constr type="w" for="ch" forName="parTx" refType="w"/>
-          <dgm:constr type="t" for="ch" forName="parTx"/>
-          <dgm:constr type="l" for="ch" forName="desTx"/>
-          <dgm:constr type="w" for="ch" forName="desTx" refType="w" refFor="ch" refForName="parTx"/>
-          <dgm:constr type="t" for="ch" forName="desTx" refType="h" refFor="ch" refForName="parTx"/>
-        </dgm:constrLst>
-        <dgm:ruleLst>
-          <dgm:rule type="h" val="INF" fact="NaN" max="NaN"/>
-        </dgm:ruleLst>
-        <dgm:layoutNode name="parTx" styleLbl="alignNode1">
-          <dgm:varLst>
-            <dgm:chMax val="0"/>
-            <dgm:chPref val="0"/>
-            <dgm:bulletEnabled val="1"/>
-          </dgm:varLst>
-          <dgm:alg type="tx"/>
-          <dgm:shape xmlns:r="http://schemas.openxmlformats.org/officeDocument/2006/relationships" type="rect" r:blip="">
-            <dgm:adjLst/>
-          </dgm:shape>
-          <dgm:presOf axis="self" ptType="node"/>
-          <dgm:constrLst>
-            <dgm:constr type="h" refType="w" op="lte" fact="0.4"/>
-            <dgm:constr type="h"/>
-            <dgm:constr type="tMarg" refType="primFontSz" fact="0.32"/>
-            <dgm:constr type="bMarg" refType="primFontSz" fact="0.32"/>
-          </dgm:constrLst>
-          <dgm:ruleLst>
-            <dgm:rule type="h" val="INF" fact="NaN" max="NaN"/>
-          </dgm:ruleLst>
-        </dgm:layoutNode>
-        <dgm:layoutNode name="desTx" styleLbl="alignAccFollowNode1">
-          <dgm:varLst>
-            <dgm:bulletEnabled val="1"/>
-          </dgm:varLst>
-          <dgm:alg type="tx">
-            <dgm:param type="stBulletLvl" val="1"/>
-          </dgm:alg>
-          <dgm:shape xmlns:r="http://schemas.openxmlformats.org/officeDocument/2006/relationships" type="rect" r:blip="">
-            <dgm:adjLst/>
-          </dgm:shape>
-          <dgm:presOf axis="des" ptType="node"/>
-          <dgm:constrLst>
-            <dgm:constr type="secFontSz" val="65"/>
-            <dgm:constr type="primFontSz" refType="secFontSz"/>
-            <dgm:constr type="h"/>
-            <dgm:constr type="lMarg" refType="primFontSz" fact="0.42"/>
-            <dgm:constr type="tMarg" refType="primFontSz" fact="0.42"/>
-            <dgm:constr type="bMarg" refType="primFontSz" fact="0.63"/>
-          </dgm:constrLst>
-          <dgm:ruleLst>
-            <dgm:rule type="h" val="INF" fact="NaN" max="NaN"/>
-          </dgm:ruleLst>
-        </dgm:layoutNode>
-      </dgm:layoutNode>
-      <dgm:forEach name="Name5" axis="followSib" ptType="sibTrans" cnt="1">
-        <dgm:layoutNode name="space">
-          <dgm:alg type="sp"/>
-          <dgm:shape xmlns:r="http://schemas.openxmlformats.org/officeDocument/2006/relationships" r:blip="">
-            <dgm:adjLst/>
-          </dgm:shape>
-          <dgm:presOf/>
-          <dgm:constrLst/>
-          <dgm:ruleLst/>
-        </dgm:layoutNode>
-      </dgm:forEach>
-    </dgm:forEach>
-  </dgm:layoutNode>
-</dgm:layoutDef>
-</file>
-
-<file path=ppt/diagrams/quickStyle1.xml><?xml version="1.0" encoding="utf-8"?>
-<dgm:styleDef xmlns:dgm="http://schemas.openxmlformats.org/drawingml/2006/diagram" xmlns:a="http://schemas.openxmlformats.org/drawingml/2006/main" uniqueId="urn:microsoft.com/office/officeart/2005/8/quickstyle/simple1">
-  <dgm:title val=""/>
-  <dgm:desc val=""/>
-  <dgm:catLst>
-    <dgm:cat type="simple" pri="10100"/>
-  </dgm:catLst>
-  <dgm:scene3d>
-    <a:camera prst="orthographicFront"/>
-    <a:lightRig rig="threePt" dir="t"/>
-  </dgm:scene3d>
-  <dgm:styleLbl name="node0">
-    <dgm:scene3d>
-      <a:camera prst="orthographicFront"/>
-      <a:lightRig rig="threePt" dir="t"/>
-    </dgm:scene3d>
-    <dgm:sp3d/>
-    <dgm:txPr/>
-    <dgm:style>
-      <a:lnRef idx="2">
-        <a:scrgbClr r="0" g="0" b="0"/>
-      </a:lnRef>
-      <a:fillRef idx="1">
-        <a:scrgbClr r="0" g="0" b="0"/>
-      </a:fillRef>
-      <a:effectRef idx="0">
-        <a:scrgbClr r="0" g="0" b="0"/>
-      </a:effectRef>
-      <a:fontRef idx="minor">
-        <a:schemeClr val="lt1"/>
-      </a:fontRef>
-    </dgm:style>
-  </dgm:styleLbl>
-  <dgm:styleLbl name="lnNode1">
-    <dgm:scene3d>
-      <a:camera prst="orthographicFront"/>
-      <a:lightRig rig="threePt" dir="t"/>
-    </dgm:scene3d>
-    <dgm:sp3d/>
-    <dgm:txPr/>
-    <dgm:style>
-      <a:lnRef idx="2">
-        <a:scrgbClr r="0" g="0" b="0"/>
-      </a:lnRef>
-      <a:fillRef idx="1">
-        <a:scrgbClr r="0" g="0" b="0"/>
-      </a:fillRef>
-      <a:effectRef idx="0">
-        <a:scrgbClr r="0" g="0" b="0"/>
-      </a:effectRef>
-      <a:fontRef idx="minor">
-        <a:schemeClr val="lt1"/>
-      </a:fontRef>
-    </dgm:style>
-  </dgm:styleLbl>
-  <dgm:styleLbl name="vennNode1">
-    <dgm:scene3d>
-      <a:camera prst="orthographicFront"/>
-      <a:lightRig rig="threePt" dir="t"/>
-    </dgm:scene3d>
-    <dgm:sp3d/>
-    <dgm:txPr/>
-    <dgm:style>
-      <a:lnRef idx="2">
-        <a:scrgbClr r="0" g="0" b="0"/>
-      </a:lnRef>
-      <a:fillRef idx="1">
-        <a:scrgbClr r="0" g="0" b="0"/>
-      </a:fillRef>
-      <a:effectRef idx="0">
-        <a:scrgbClr r="0" g="0" b="0"/>
-      </a:effectRef>
-      <a:fontRef idx="minor">
-        <a:schemeClr val="tx1"/>
-      </a:fontRef>
-    </dgm:style>
-  </dgm:styleLbl>
-  <dgm:styleLbl name="alignNode1">
-    <dgm:scene3d>
-      <a:camera prst="orthographicFront"/>
-      <a:lightRig rig="threePt" dir="t"/>
-    </dgm:scene3d>
-    <dgm:sp3d/>
-    <dgm:txPr/>
-    <dgm:style>
-      <a:lnRef idx="2">
-        <a:scrgbClr r="0" g="0" b="0"/>
-      </a:lnRef>
-      <a:fillRef idx="1">
-        <a:scrgbClr r="0" g="0" b="0"/>
-      </a:fillRef>
-      <a:effectRef idx="0">
-        <a:scrgbClr r="0" g="0" b="0"/>
-      </a:effectRef>
-      <a:fontRef idx="minor">
-        <a:schemeClr val="lt1"/>
-      </a:fontRef>
-    </dgm:style>
-  </dgm:styleLbl>
-  <dgm:styleLbl name="node1">
-    <dgm:scene3d>
-      <a:camera prst="orthographicFront"/>
-      <a:lightRig rig="threePt" dir="t"/>
-    </dgm:scene3d>
-    <dgm:sp3d/>
-    <dgm:txPr/>
-    <dgm:style>
-      <a:lnRef idx="2">
-        <a:scrgbClr r="0" g="0" b="0"/>
-      </a:lnRef>
-      <a:fillRef idx="1">
-        <a:scrgbClr r="0" g="0" b="0"/>
-      </a:fillRef>
-      <a:effectRef idx="0">
-        <a:scrgbClr r="0" g="0" b="0"/>
-      </a:effectRef>
-      <a:fontRef idx="minor">
-        <a:schemeClr val="lt1"/>
-      </a:fontRef>
-    </dgm:style>
-  </dgm:styleLbl>
-  <dgm:styleLbl name="node2">
-    <dgm:scene3d>
-      <a:camera prst="orthographicFront"/>
-      <a:lightRig rig="threePt" dir="t"/>
-    </dgm:scene3d>
-    <dgm:sp3d/>
-    <dgm:txPr/>
-    <dgm:style>
-      <a:lnRef idx="2">
-        <a:scrgbClr r="0" g="0" b="0"/>
-      </a:lnRef>
-      <a:fillRef idx="1">
-        <a:scrgbClr r="0" g="0" b="0"/>
-      </a:fillRef>
-      <a:effectRef idx="0">
-        <a:scrgbClr r="0" g="0" b="0"/>
-      </a:effectRef>
-      <a:fontRef idx="minor">
-        <a:schemeClr val="lt1"/>
-      </a:fontRef>
-    </dgm:style>
-  </dgm:styleLbl>
-  <dgm:styleLbl name="node3">
-    <dgm:scene3d>
-      <a:camera prst="orthographicFront"/>
-      <a:lightRig rig="threePt" dir="t"/>
-    </dgm:scene3d>
-    <dgm:sp3d/>
-    <dgm:txPr/>
-    <dgm:style>
-      <a:lnRef idx="2">
-        <a:scrgbClr r="0" g="0" b="0"/>
-      </a:lnRef>
-      <a:fillRef idx="1">
-        <a:scrgbClr r="0" g="0" b="0"/>
-      </a:fillRef>
-      <a:effectRef idx="0">
-        <a:scrgbClr r="0" g="0" b="0"/>
-      </a:effectRef>
-      <a:fontRef idx="minor">
-        <a:schemeClr val="lt1"/>
-      </a:fontRef>
-    </dgm:style>
-  </dgm:styleLbl>
-  <dgm:styleLbl name="node4">
-    <dgm:scene3d>
-      <a:camera prst="orthographicFront"/>
-      <a:lightRig rig="threePt" dir="t"/>
-    </dgm:scene3d>
-    <dgm:sp3d/>
-    <dgm:txPr/>
-    <dgm:style>
-      <a:lnRef idx="2">
-        <a:scrgbClr r="0" g="0" b="0"/>
-      </a:lnRef>
-      <a:fillRef idx="1">
-        <a:scrgbClr r="0" g="0" b="0"/>
-      </a:fillRef>
-      <a:effectRef idx="0">
-        <a:scrgbClr r="0" g="0" b="0"/>
-      </a:effectRef>
-      <a:fontRef idx="minor">
-        <a:schemeClr val="lt1"/>
-      </a:fontRef>
-    </dgm:style>
-  </dgm:styleLbl>
-  <dgm:styleLbl name="fgImgPlace1">
-    <dgm:scene3d>
-      <a:camera prst="orthographicFront"/>
-      <a:lightRig rig="threePt" dir="t"/>
-    </dgm:scene3d>
-    <dgm:sp3d/>
-    <dgm:txPr/>
-    <dgm:style>
-      <a:lnRef idx="2">
-        <a:scrgbClr r="0" g="0" b="0"/>
-      </a:lnRef>
-      <a:fillRef idx="1">
-        <a:scrgbClr r="0" g="0" b="0"/>
-      </a:fillRef>
-      <a:effectRef idx="0">
-        <a:scrgbClr r="0" g="0" b="0"/>
-      </a:effectRef>
-      <a:fontRef idx="minor"/>
-    </dgm:style>
-  </dgm:styleLbl>
-  <dgm:styleLbl name="alignImgPlace1">
-    <dgm:scene3d>
-      <a:camera prst="orthographicFront"/>
-      <a:lightRig rig="threePt" dir="t"/>
-    </dgm:scene3d>
-    <dgm:sp3d/>
-    <dgm:txPr/>
-    <dgm:style>
-      <a:lnRef idx="2">
-        <a:scrgbClr r="0" g="0" b="0"/>
-      </a:lnRef>
-      <a:fillRef idx="1">
-        <a:scrgbClr r="0" g="0" b="0"/>
-      </a:fillRef>
-      <a:effectRef idx="0">
-        <a:scrgbClr r="0" g="0" b="0"/>
-      </a:effectRef>
-      <a:fontRef idx="minor"/>
-    </dgm:style>
-  </dgm:styleLbl>
-  <dgm:styleLbl name="bgImgPlace1">
-    <dgm:scene3d>
-      <a:camera prst="orthographicFront"/>
-      <a:lightRig rig="threePt" dir="t"/>
-    </dgm:scene3d>
-    <dgm:sp3d/>
-    <dgm:txPr/>
-    <dgm:style>
-      <a:lnRef idx="2">
-        <a:scrgbClr r="0" g="0" b="0"/>
-      </a:lnRef>
-      <a:fillRef idx="1">
-        <a:scrgbClr r="0" g="0" b="0"/>
-      </a:fillRef>
-      <a:effectRef idx="0">
-        <a:scrgbClr r="0" g="0" b="0"/>
-      </a:effectRef>
-      <a:fontRef idx="minor"/>
-    </dgm:style>
-  </dgm:styleLbl>
-  <dgm:styleLbl name="sibTrans2D1">
-    <dgm:scene3d>
-      <a:camera prst="orthographicFront"/>
-      <a:lightRig rig="threePt" dir="t"/>
-    </dgm:scene3d>
-    <dgm:sp3d/>
-    <dgm:txPr/>
-    <dgm:style>
-      <a:lnRef idx="0">
-        <a:scrgbClr r="0" g="0" b="0"/>
-      </a:lnRef>
-      <a:fillRef idx="1">
-        <a:scrgbClr r="0" g="0" b="0"/>
-      </a:fillRef>
-      <a:effectRef idx="0">
-        <a:scrgbClr r="0" g="0" b="0"/>
-      </a:effectRef>
-      <a:fontRef idx="minor">
-        <a:schemeClr val="lt1"/>
-      </a:fontRef>
-    </dgm:style>
-  </dgm:styleLbl>
-  <dgm:styleLbl name="fgSibTrans2D1">
-    <dgm:scene3d>
-      <a:camera prst="orthographicFront"/>
-      <a:lightRig rig="threePt" dir="t"/>
-    </dgm:scene3d>
-    <dgm:sp3d/>
-    <dgm:txPr/>
-    <dgm:style>
-      <a:lnRef idx="0">
-        <a:scrgbClr r="0" g="0" b="0"/>
-      </a:lnRef>
-      <a:fillRef idx="1">
-        <a:scrgbClr r="0" g="0" b="0"/>
-      </a:fillRef>
-      <a:effectRef idx="0">
-        <a:scrgbClr r="0" g="0" b="0"/>
-      </a:effectRef>
-      <a:fontRef idx="minor">
-        <a:schemeClr val="lt1"/>
-      </a:fontRef>
-    </dgm:style>
-  </dgm:styleLbl>
-  <dgm:styleLbl name="bgSibTrans2D1">
-    <dgm:scene3d>
-      <a:camera prst="orthographicFront"/>
-      <a:lightRig rig="threePt" dir="t"/>
-    </dgm:scene3d>
-    <dgm:sp3d/>
-    <dgm:txPr/>
-    <dgm:style>
-      <a:lnRef idx="0">
-        <a:scrgbClr r="0" g="0" b="0"/>
-      </a:lnRef>
-      <a:fillRef idx="1">
-        <a:scrgbClr r="0" g="0" b="0"/>
-      </a:fillRef>
-      <a:effectRef idx="0">
-        <a:scrgbClr r="0" g="0" b="0"/>
-      </a:effectRef>
-      <a:fontRef idx="minor">
-        <a:schemeClr val="lt1"/>
-      </a:fontRef>
-    </dgm:style>
-  </dgm:styleLbl>
-  <dgm:styleLbl name="sibTrans1D1">
-    <dgm:scene3d>
-      <a:camera prst="orthographicFront"/>
-      <a:lightRig rig="threePt" dir="t"/>
-    </dgm:scene3d>
-    <dgm:sp3d/>
-    <dgm:txPr/>
-    <dgm:style>
-      <a:lnRef idx="1">
-        <a:scrgbClr r="0" g="0" b="0"/>
-      </a:lnRef>
-      <a:fillRef idx="0">
-        <a:scrgbClr r="0" g="0" b="0"/>
-      </a:fillRef>
-      <a:effectRef idx="0">
-        <a:scrgbClr r="0" g="0" b="0"/>
-      </a:effectRef>
-      <a:fontRef idx="minor"/>
-    </dgm:style>
-  </dgm:styleLbl>
-  <dgm:styleLbl name="callout">
-    <dgm:scene3d>
-      <a:camera prst="orthographicFront"/>
-      <a:lightRig rig="threePt" dir="t"/>
-    </dgm:scene3d>
-    <dgm:sp3d/>
-    <dgm:txPr/>
-    <dgm:style>
-      <a:lnRef idx="2">
-        <a:scrgbClr r="0" g="0" b="0"/>
-      </a:lnRef>
-      <a:fillRef idx="1">
-        <a:scrgbClr r="0" g="0" b="0"/>
-      </a:fillRef>
-      <a:effectRef idx="0">
-        <a:scrgbClr r="0" g="0" b="0"/>
-      </a:effectRef>
-      <a:fontRef idx="minor"/>
-    </dgm:style>
-  </dgm:styleLbl>
-  <dgm:styleLbl name="asst0">
-    <dgm:scene3d>
-      <a:camera prst="orthographicFront"/>
-      <a:lightRig rig="threePt" dir="t"/>
-    </dgm:scene3d>
-    <dgm:sp3d/>
-    <dgm:txPr/>
-    <dgm:style>
-      <a:lnRef idx="2">
-        <a:scrgbClr r="0" g="0" b="0"/>
-      </a:lnRef>
-      <a:fillRef idx="1">
-        <a:scrgbClr r="0" g="0" b="0"/>
-      </a:fillRef>
-      <a:effectRef idx="0">
-        <a:scrgbClr r="0" g="0" b="0"/>
-      </a:effectRef>
-      <a:fontRef idx="minor">
-        <a:schemeClr val="lt1"/>
-      </a:fontRef>
-    </dgm:style>
-  </dgm:styleLbl>
-  <dgm:styleLbl name="asst1">
-    <dgm:scene3d>
-      <a:camera prst="orthographicFront"/>
-      <a:lightRig rig="threePt" dir="t"/>
-    </dgm:scene3d>
-    <dgm:sp3d/>
-    <dgm:txPr/>
-    <dgm:style>
-      <a:lnRef idx="2">
-        <a:scrgbClr r="0" g="0" b="0"/>
-      </a:lnRef>
-      <a:fillRef idx="1">
-        <a:scrgbClr r="0" g="0" b="0"/>
-      </a:fillRef>
-      <a:effectRef idx="0">
-        <a:scrgbClr r="0" g="0" b="0"/>
-      </a:effectRef>
-      <a:fontRef idx="minor">
-        <a:schemeClr val="lt1"/>
-      </a:fontRef>
-    </dgm:style>
-  </dgm:styleLbl>
-  <dgm:styleLbl name="asst2">
-    <dgm:scene3d>
-      <a:camera prst="orthographicFront"/>
-      <a:lightRig rig="threePt" dir="t"/>
-    </dgm:scene3d>
-    <dgm:sp3d/>
-    <dgm:txPr/>
-    <dgm:style>
-      <a:lnRef idx="2">
-        <a:scrgbClr r="0" g="0" b="0"/>
-      </a:lnRef>
-      <a:fillRef idx="1">
-        <a:scrgbClr r="0" g="0" b="0"/>
-      </a:fillRef>
-      <a:effectRef idx="0">
-        <a:scrgbClr r="0" g="0" b="0"/>
-      </a:effectRef>
-      <a:fontRef idx="minor">
-        <a:schemeClr val="lt1"/>
-      </a:fontRef>
-    </dgm:style>
-  </dgm:styleLbl>
-  <dgm:styleLbl name="asst3">
-    <dgm:scene3d>
-      <a:camera prst="orthographicFront"/>
-      <a:lightRig rig="threePt" dir="t"/>
-    </dgm:scene3d>
-    <dgm:sp3d/>
-    <dgm:txPr/>
-    <dgm:style>
-      <a:lnRef idx="2">
-        <a:scrgbClr r="0" g="0" b="0"/>
-      </a:lnRef>
-      <a:fillRef idx="1">
-        <a:scrgbClr r="0" g="0" b="0"/>
-      </a:fillRef>
-      <a:effectRef idx="0">
-        <a:scrgbClr r="0" g="0" b="0"/>
-      </a:effectRef>
-      <a:fontRef idx="minor">
-        <a:schemeClr val="lt1"/>
-      </a:fontRef>
-    </dgm:style>
-  </dgm:styleLbl>
-  <dgm:styleLbl name="asst4">
-    <dgm:scene3d>
-      <a:camera prst="orthographicFront"/>
-      <a:lightRig rig="threePt" dir="t"/>
-    </dgm:scene3d>
-    <dgm:sp3d/>
-    <dgm:txPr/>
-    <dgm:style>
-      <a:lnRef idx="2">
-        <a:scrgbClr r="0" g="0" b="0"/>
-      </a:lnRef>
-      <a:fillRef idx="1">
-        <a:scrgbClr r="0" g="0" b="0"/>
-      </a:fillRef>
-      <a:effectRef idx="0">
-        <a:scrgbClr r="0" g="0" b="0"/>
-      </a:effectRef>
-      <a:fontRef idx="minor">
-        <a:schemeClr val="lt1"/>
-      </a:fontRef>
-    </dgm:style>
-  </dgm:styleLbl>
-  <dgm:styleLbl name="parChTrans2D1">
-    <dgm:scene3d>
-      <a:camera prst="orthographicFront"/>
-      <a:lightRig rig="threePt" dir="t"/>
-    </dgm:scene3d>
-    <dgm:sp3d/>
-    <dgm:txPr/>
-    <dgm:style>
-      <a:lnRef idx="2">
-        <a:scrgbClr r="0" g="0" b="0"/>
-      </a:lnRef>
-      <a:fillRef idx="1">
-        <a:scrgbClr r="0" g="0" b="0"/>
-      </a:fillRef>
-      <a:effectRef idx="0">
-        <a:scrgbClr r="0" g="0" b="0"/>
-      </a:effectRef>
-      <a:fontRef idx="minor">
-        <a:schemeClr val="lt1"/>
-      </a:fontRef>
-    </dgm:style>
-  </dgm:styleLbl>
-  <dgm:styleLbl name="parChTrans2D2">
-    <dgm:scene3d>
-      <a:camera prst="orthographicFront"/>
-      <a:lightRig rig="threePt" dir="t"/>
-    </dgm:scene3d>
-    <dgm:sp3d/>
-    <dgm:txPr/>
-    <dgm:style>
-      <a:lnRef idx="2">
-        <a:scrgbClr r="0" g="0" b="0"/>
-      </a:lnRef>
-      <a:fillRef idx="1">
-        <a:scrgbClr r="0" g="0" b="0"/>
-      </a:fillRef>
-      <a:effectRef idx="0">
-        <a:scrgbClr r="0" g="0" b="0"/>
-      </a:effectRef>
-      <a:fontRef idx="minor">
-        <a:schemeClr val="lt1"/>
-      </a:fontRef>
-    </dgm:style>
-  </dgm:styleLbl>
-  <dgm:styleLbl name="parChTrans2D3">
-    <dgm:scene3d>
-      <a:camera prst="orthographicFront"/>
-      <a:lightRig rig="threePt" dir="t"/>
-    </dgm:scene3d>
-    <dgm:sp3d/>
-    <dgm:txPr/>
-    <dgm:style>
-      <a:lnRef idx="2">
-        <a:scrgbClr r="0" g="0" b="0"/>
-      </a:lnRef>
-      <a:fillRef idx="1">
-        <a:scrgbClr r="0" g="0" b="0"/>
-      </a:fillRef>
-      <a:effectRef idx="0">
-        <a:scrgbClr r="0" g="0" b="0"/>
-      </a:effectRef>
-      <a:fontRef idx="minor">
-        <a:schemeClr val="lt1"/>
-      </a:fontRef>
-    </dgm:style>
-  </dgm:styleLbl>
-  <dgm:styleLbl name="parChTrans2D4">
-    <dgm:scene3d>
-      <a:camera prst="orthographicFront"/>
-      <a:lightRig rig="threePt" dir="t"/>
-    </dgm:scene3d>
-    <dgm:sp3d/>
-    <dgm:txPr/>
-    <dgm:style>
-      <a:lnRef idx="2">
-        <a:scrgbClr r="0" g="0" b="0"/>
-      </a:lnRef>
-      <a:fillRef idx="1">
-        <a:scrgbClr r="0" g="0" b="0"/>
-      </a:fillRef>
-      <a:effectRef idx="0">
-        <a:scrgbClr r="0" g="0" b="0"/>
-      </a:effectRef>
-      <a:fontRef idx="minor">
-        <a:schemeClr val="lt1"/>
-      </a:fontRef>
-    </dgm:style>
-  </dgm:styleLbl>
-  <dgm:styleLbl name="parChTrans1D1">
-    <dgm:scene3d>
-      <a:camera prst="orthographicFront"/>
-      <a:lightRig rig="threePt" dir="t"/>
-    </dgm:scene3d>
-    <dgm:sp3d/>
-    <dgm:txPr/>
-    <dgm:style>
-      <a:lnRef idx="2">
-        <a:scrgbClr r="0" g="0" b="0"/>
-      </a:lnRef>
-      <a:fillRef idx="0">
-        <a:scrgbClr r="0" g="0" b="0"/>
-      </a:fillRef>
-      <a:effectRef idx="0">
-        <a:scrgbClr r="0" g="0" b="0"/>
-      </a:effectRef>
-      <a:fontRef idx="minor"/>
-    </dgm:style>
-  </dgm:styleLbl>
-  <dgm:styleLbl name="parChTrans1D2">
-    <dgm:scene3d>
-      <a:camera prst="orthographicFront"/>
-      <a:lightRig rig="threePt" dir="t"/>
-    </dgm:scene3d>
-    <dgm:sp3d/>
-    <dgm:txPr/>
-    <dgm:style>
-      <a:lnRef idx="2">
-        <a:scrgbClr r="0" g="0" b="0"/>
-      </a:lnRef>
-      <a:fillRef idx="0">
-        <a:scrgbClr r="0" g="0" b="0"/>
-      </a:fillRef>
-      <a:effectRef idx="0">
-        <a:scrgbClr r="0" g="0" b="0"/>
-      </a:effectRef>
-      <a:fontRef idx="minor"/>
-    </dgm:style>
-  </dgm:styleLbl>
-  <dgm:styleLbl name="parChTrans1D3">
-    <dgm:scene3d>
-      <a:camera prst="orthographicFront"/>
-      <a:lightRig rig="threePt" dir="t"/>
-    </dgm:scene3d>
-    <dgm:sp3d/>
-    <dgm:txPr/>
-    <dgm:style>
-      <a:lnRef idx="2">
-        <a:scrgbClr r="0" g="0" b="0"/>
-      </a:lnRef>
-      <a:fillRef idx="0">
-        <a:scrgbClr r="0" g="0" b="0"/>
-      </a:fillRef>
-      <a:effectRef idx="0">
-        <a:scrgbClr r="0" g="0" b="0"/>
-      </a:effectRef>
-      <a:fontRef idx="minor"/>
-    </dgm:style>
-  </dgm:styleLbl>
-  <dgm:styleLbl name="parChTrans1D4">
-    <dgm:scene3d>
-      <a:camera prst="orthographicFront"/>
-      <a:lightRig rig="threePt" dir="t"/>
-    </dgm:scene3d>
-    <dgm:sp3d/>
-    <dgm:txPr/>
-    <dgm:style>
-      <a:lnRef idx="2">
-        <a:scrgbClr r="0" g="0" b="0"/>
-      </a:lnRef>
-      <a:fillRef idx="0">
-        <a:scrgbClr r="0" g="0" b="0"/>
-      </a:fillRef>
-      <a:effectRef idx="0">
-        <a:scrgbClr r="0" g="0" b="0"/>
-      </a:effectRef>
-      <a:fontRef idx="minor"/>
-    </dgm:style>
-  </dgm:styleLbl>
-  <dgm:styleLbl name="fgAcc1">
-    <dgm:scene3d>
-      <a:camera prst="orthographicFront"/>
-      <a:lightRig rig="threePt" dir="t"/>
-    </dgm:scene3d>
-    <dgm:sp3d/>
-    <dgm:txPr/>
-    <dgm:style>
-      <a:lnRef idx="2">
-        <a:scrgbClr r="0" g="0" b="0"/>
-      </a:lnRef>
-      <a:fillRef idx="1">
-        <a:scrgbClr r="0" g="0" b="0"/>
-      </a:fillRef>
-      <a:effectRef idx="0">
-        <a:scrgbClr r="0" g="0" b="0"/>
-      </a:effectRef>
-      <a:fontRef idx="minor"/>
-    </dgm:style>
-  </dgm:styleLbl>
-  <dgm:styleLbl name="conFgAcc1">
-    <dgm:scene3d>
-      <a:camera prst="orthographicFront"/>
-      <a:lightRig rig="threePt" dir="t"/>
-    </dgm:scene3d>
-    <dgm:sp3d/>
-    <dgm:txPr/>
-    <dgm:style>
-      <a:lnRef idx="2">
-        <a:scrgbClr r="0" g="0" b="0"/>
-      </a:lnRef>
-      <a:fillRef idx="1">
-        <a:scrgbClr r="0" g="0" b="0"/>
-      </a:fillRef>
-      <a:effectRef idx="0">
-        <a:scrgbClr r="0" g="0" b="0"/>
-      </a:effectRef>
-      <a:fontRef idx="minor"/>
-    </dgm:style>
-  </dgm:styleLbl>
-  <dgm:styleLbl name="alignAcc1">
-    <dgm:scene3d>
-      <a:camera prst="orthographicFront"/>
-      <a:lightRig rig="threePt" dir="t"/>
-    </dgm:scene3d>
-    <dgm:sp3d/>
-    <dgm:txPr/>
-    <dgm:style>
-      <a:lnRef idx="2">
-        <a:scrgbClr r="0" g="0" b="0"/>
-      </a:lnRef>
-      <a:fillRef idx="1">
-        <a:scrgbClr r="0" g="0" b="0"/>
-      </a:fillRef>
-      <a:effectRef idx="0">
-        <a:scrgbClr r="0" g="0" b="0"/>
-      </a:effectRef>
-      <a:fontRef idx="minor"/>
-    </dgm:style>
-  </dgm:styleLbl>
-  <dgm:styleLbl name="trAlignAcc1">
-    <dgm:scene3d>
-      <a:camera prst="orthographicFront"/>
-      <a:lightRig rig="threePt" dir="t"/>
-    </dgm:scene3d>
-    <dgm:sp3d/>
-    <dgm:txPr/>
-    <dgm:style>
-      <a:lnRef idx="1">
-        <a:scrgbClr r="0" g="0" b="0"/>
-      </a:lnRef>
-      <a:fillRef idx="1">
-        <a:scrgbClr r="0" g="0" b="0"/>
-      </a:fillRef>
-      <a:effectRef idx="0">
-        <a:scrgbClr r="0" g="0" b="0"/>
-      </a:effectRef>
-      <a:fontRef idx="minor"/>
-    </dgm:style>
-  </dgm:styleLbl>
-  <dgm:styleLbl name="bgAcc1">
-    <dgm:scene3d>
-      <a:camera prst="orthographicFront"/>
-      <a:lightRig rig="threePt" dir="t"/>
-    </dgm:scene3d>
-    <dgm:sp3d/>
-    <dgm:txPr/>
-    <dgm:style>
-      <a:lnRef idx="2">
-        <a:scrgbClr r="0" g="0" b="0"/>
-      </a:lnRef>
-      <a:fillRef idx="1">
-        <a:scrgbClr r="0" g="0" b="0"/>
-      </a:fillRef>
-      <a:effectRef idx="0">
-        <a:scrgbClr r="0" g="0" b="0"/>
-      </a:effectRef>
-      <a:fontRef idx="minor"/>
-    </dgm:style>
-  </dgm:styleLbl>
-  <dgm:styleLbl name="solidFgAcc1">
-    <dgm:scene3d>
-      <a:camera prst="orthographicFront"/>
-      <a:lightRig rig="threePt" dir="t"/>
-    </dgm:scene3d>
-    <dgm:sp3d/>
-    <dgm:txPr/>
-    <dgm:style>
-      <a:lnRef idx="2">
-        <a:scrgbClr r="0" g="0" b="0"/>
-      </a:lnRef>
-      <a:fillRef idx="1">
-        <a:scrgbClr r="0" g="0" b="0"/>
-      </a:fillRef>
-      <a:effectRef idx="0">
-        <a:scrgbClr r="0" g="0" b="0"/>
-      </a:effectRef>
-      <a:fontRef idx="minor"/>
-    </dgm:style>
-  </dgm:styleLbl>
-  <dgm:styleLbl name="solidAlignAcc1">
-    <dgm:scene3d>
-      <a:camera prst="orthographicFront"/>
-      <a:lightRig rig="threePt" dir="t"/>
-    </dgm:scene3d>
-    <dgm:sp3d/>
-    <dgm:txPr/>
-    <dgm:style>
-      <a:lnRef idx="2">
-        <a:scrgbClr r="0" g="0" b="0"/>
-      </a:lnRef>
-      <a:fillRef idx="1">
-        <a:scrgbClr r="0" g="0" b="0"/>
-      </a:fillRef>
-      <a:effectRef idx="0">
-        <a:scrgbClr r="0" g="0" b="0"/>
-      </a:effectRef>
-      <a:fontRef idx="minor"/>
-    </dgm:style>
-  </dgm:styleLbl>
-  <dgm:styleLbl name="solidBgAcc1">
-    <dgm:scene3d>
-      <a:camera prst="orthographicFront"/>
-      <a:lightRig rig="threePt" dir="t"/>
-    </dgm:scene3d>
-    <dgm:sp3d/>
-    <dgm:txPr/>
-    <dgm:style>
-      <a:lnRef idx="2">
-        <a:scrgbClr r="0" g="0" b="0"/>
-      </a:lnRef>
-      <a:fillRef idx="1">
-        <a:scrgbClr r="0" g="0" b="0"/>
-      </a:fillRef>
-      <a:effectRef idx="0">
-        <a:scrgbClr r="0" g="0" b="0"/>
-      </a:effectRef>
-      <a:fontRef idx="minor"/>
-    </dgm:style>
-  </dgm:styleLbl>
-  <dgm:styleLbl name="fgAccFollowNode1">
-    <dgm:scene3d>
-      <a:camera prst="orthographicFront"/>
-      <a:lightRig rig="threePt" dir="t"/>
-    </dgm:scene3d>
-    <dgm:sp3d/>
-    <dgm:txPr/>
-    <dgm:style>
-      <a:lnRef idx="2">
-        <a:scrgbClr r="0" g="0" b="0"/>
-      </a:lnRef>
-      <a:fillRef idx="1">
-        <a:scrgbClr r="0" g="0" b="0"/>
-      </a:fillRef>
-      <a:effectRef idx="0">
-        <a:scrgbClr r="0" g="0" b="0"/>
-      </a:effectRef>
-      <a:fontRef idx="minor"/>
-    </dgm:style>
-  </dgm:styleLbl>
-  <dgm:styleLbl name="alignAccFollowNode1">
-    <dgm:scene3d>
-      <a:camera prst="orthographicFront"/>
-      <a:lightRig rig="threePt" dir="t"/>
-    </dgm:scene3d>
-    <dgm:sp3d/>
-    <dgm:txPr/>
-    <dgm:style>
-      <a:lnRef idx="2">
-        <a:scrgbClr r="0" g="0" b="0"/>
-      </a:lnRef>
-      <a:fillRef idx="1">
-        <a:scrgbClr r="0" g="0" b="0"/>
-      </a:fillRef>
-      <a:effectRef idx="0">
-        <a:scrgbClr r="0" g="0" b="0"/>
-      </a:effectRef>
-      <a:fontRef idx="minor"/>
-    </dgm:style>
-  </dgm:styleLbl>
-  <dgm:styleLbl name="bgAccFollowNode1">
-    <dgm:scene3d>
-      <a:camera prst="orthographicFront"/>
-      <a:lightRig rig="threePt" dir="t"/>
-    </dgm:scene3d>
-    <dgm:sp3d/>
-    <dgm:txPr/>
-    <dgm:style>
-      <a:lnRef idx="2">
-        <a:scrgbClr r="0" g="0" b="0"/>
-      </a:lnRef>
-      <a:fillRef idx="1">
-        <a:scrgbClr r="0" g="0" b="0"/>
-      </a:fillRef>
-      <a:effectRef idx="0">
-        <a:scrgbClr r="0" g="0" b="0"/>
-      </a:effectRef>
-      <a:fontRef idx="minor"/>
-    </dgm:style>
-  </dgm:styleLbl>
-  <dgm:styleLbl name="fgAcc0">
-    <dgm:scene3d>
-      <a:camera prst="orthographicFront"/>
-      <a:lightRig rig="threePt" dir="t"/>
-    </dgm:scene3d>
-    <dgm:sp3d/>
-    <dgm:txPr/>
-    <dgm:style>
-      <a:lnRef idx="2">
-        <a:scrgbClr r="0" g="0" b="0"/>
-      </a:lnRef>
-      <a:fillRef idx="1">
-        <a:scrgbClr r="0" g="0" b="0"/>
-      </a:fillRef>
-      <a:effectRef idx="0">
-        <a:scrgbClr r="0" g="0" b="0"/>
-      </a:effectRef>
-      <a:fontRef idx="minor"/>
-    </dgm:style>
-  </dgm:styleLbl>
-  <dgm:styleLbl name="fgAcc2">
-    <dgm:scene3d>
-      <a:camera prst="orthographicFront"/>
-      <a:lightRig rig="threePt" dir="t"/>
-    </dgm:scene3d>
-    <dgm:sp3d/>
-    <dgm:txPr/>
-    <dgm:style>
-      <a:lnRef idx="2">
-        <a:scrgbClr r="0" g="0" b="0"/>
-      </a:lnRef>
-      <a:fillRef idx="1">
-        <a:scrgbClr r="0" g="0" b="0"/>
-      </a:fillRef>
-      <a:effectRef idx="0">
-        <a:scrgbClr r="0" g="0" b="0"/>
-      </a:effectRef>
-      <a:fontRef idx="minor"/>
-    </dgm:style>
-  </dgm:styleLbl>
-  <dgm:styleLbl name="fgAcc3">
-    <dgm:scene3d>
-      <a:camera prst="orthographicFront"/>
-      <a:lightRig rig="threePt" dir="t"/>
-    </dgm:scene3d>
-    <dgm:sp3d/>
-    <dgm:txPr/>
-    <dgm:style>
-      <a:lnRef idx="2">
-        <a:scrgbClr r="0" g="0" b="0"/>
-      </a:lnRef>
-      <a:fillRef idx="1">
-        <a:scrgbClr r="0" g="0" b="0"/>
-      </a:fillRef>
-      <a:effectRef idx="0">
-        <a:scrgbClr r="0" g="0" b="0"/>
-      </a:effectRef>
-      <a:fontRef idx="minor"/>
-    </dgm:style>
-  </dgm:styleLbl>
-  <dgm:styleLbl name="fgAcc4">
-    <dgm:scene3d>
-      <a:camera prst="orthographicFront"/>
-      <a:lightRig rig="threePt" dir="t"/>
-    </dgm:scene3d>
-    <dgm:sp3d/>
-    <dgm:txPr/>
-    <dgm:style>
-      <a:lnRef idx="2">
-        <a:scrgbClr r="0" g="0" b="0"/>
-      </a:lnRef>
-      <a:fillRef idx="1">
-        <a:scrgbClr r="0" g="0" b="0"/>
-      </a:fillRef>
-      <a:effectRef idx="0">
-        <a:scrgbClr r="0" g="0" b="0"/>
-      </a:effectRef>
-      <a:fontRef idx="minor"/>
-    </dgm:style>
-  </dgm:styleLbl>
-  <dgm:styleLbl name="bgShp">
-    <dgm:scene3d>
-      <a:camera prst="orthographicFront"/>
-      <a:lightRig rig="threePt" dir="t"/>
-    </dgm:scene3d>
-    <dgm:sp3d/>
-    <dgm:txPr/>
-    <dgm:style>
-      <a:lnRef idx="0">
-        <a:scrgbClr r="0" g="0" b="0"/>
-      </a:lnRef>
-      <a:fillRef idx="1">
-        <a:scrgbClr r="0" g="0" b="0"/>
-      </a:fillRef>
-      <a:effectRef idx="0">
-        <a:scrgbClr r="0" g="0" b="0"/>
-      </a:effectRef>
-      <a:fontRef idx="minor"/>
-    </dgm:style>
-  </dgm:styleLbl>
-  <dgm:styleLbl name="dkBgShp">
-    <dgm:scene3d>
-      <a:camera prst="orthographicFront"/>
-      <a:lightRig rig="threePt" dir="t"/>
-    </dgm:scene3d>
-    <dgm:sp3d/>
-    <dgm:txPr/>
-    <dgm:style>
-      <a:lnRef idx="0">
-        <a:scrgbClr r="0" g="0" b="0"/>
-      </a:lnRef>
-      <a:fillRef idx="1">
-        <a:scrgbClr r="0" g="0" b="0"/>
-      </a:fillRef>
-      <a:effectRef idx="0">
-        <a:scrgbClr r="0" g="0" b="0"/>
-      </a:effectRef>
-      <a:fontRef idx="minor"/>
-    </dgm:style>
-  </dgm:styleLbl>
-  <dgm:styleLbl name="trBgShp">
-    <dgm:scene3d>
-      <a:camera prst="orthographicFront"/>
-      <a:lightRig rig="threePt" dir="t"/>
-    </dgm:scene3d>
-    <dgm:sp3d/>
-    <dgm:txPr/>
-    <dgm:style>
-      <a:lnRef idx="0">
-        <a:scrgbClr r="0" g="0" b="0"/>
-      </a:lnRef>
-      <a:fillRef idx="1">
-        <a:scrgbClr r="0" g="0" b="0"/>
-      </a:fillRef>
-      <a:effectRef idx="0">
-        <a:scrgbClr r="0" g="0" b="0"/>
-      </a:effectRef>
-      <a:fontRef idx="minor"/>
-    </dgm:style>
-  </dgm:styleLbl>
-  <dgm:styleLbl name="fgShp">
-    <dgm:scene3d>
-      <a:camera prst="orthographicFront"/>
-      <a:lightRig rig="threePt" dir="t"/>
-    </dgm:scene3d>
-    <dgm:sp3d/>
-    <dgm:txPr/>
-    <dgm:style>
-      <a:lnRef idx="2">
-        <a:scrgbClr r="0" g="0" b="0"/>
-      </a:lnRef>
-      <a:fillRef idx="1">
-        <a:scrgbClr r="0" g="0" b="0"/>
-      </a:fillRef>
-      <a:effectRef idx="0">
-        <a:scrgbClr r="0" g="0" b="0"/>
-      </a:effectRef>
-      <a:fontRef idx="minor"/>
-    </dgm:style>
-  </dgm:styleLbl>
-  <dgm:styleLbl name="revTx">
-    <dgm:scene3d>
-      <a:camera prst="orthographicFront"/>
-      <a:lightRig rig="threePt" dir="t"/>
-    </dgm:scene3d>
-    <dgm:sp3d/>
-    <dgm:txPr/>
-    <dgm:style>
-      <a:lnRef idx="0">
-        <a:scrgbClr r="0" g="0" b="0"/>
-      </a:lnRef>
-      <a:fillRef idx="0">
-        <a:scrgbClr r="0" g="0" b="0"/>
-      </a:fillRef>
-      <a:effectRef idx="0">
-        <a:scrgbClr r="0" g="0" b="0"/>
-      </a:effectRef>
-      <a:fontRef idx="minor"/>
-    </dgm:style>
-  </dgm:styleLbl>
-</dgm:styleDef>
-</file>
-
 <file path=ppt/slideLayouts/slideLayout1.xml><?xml version="1.0" encoding="utf-8"?>
 <p:sldLayout xmlns:a="http://schemas.openxmlformats.org/drawingml/2006/main" xmlns:r="http://schemas.openxmlformats.org/officeDocument/2006/relationships" xmlns:p="http://schemas.openxmlformats.org/presentationml/2006/main" type="title" preserve="1">
   <p:cSld name="Title Slide">
@@ -2881,7 +314,7 @@
           <a:p>
             <a:fld id="{E3737AA2-8BE8-40E0-B699-ABB267EEB223}" type="datetimeFigureOut">
               <a:rPr lang="en-US" smtClean="0"/>
-              <a:t>11/17/2022</a:t>
+              <a:t>11/19/2022</a:t>
             </a:fld>
             <a:endParaRPr lang="en-US"/>
           </a:p>
@@ -3219,7 +652,7 @@
           <a:p>
             <a:fld id="{E3737AA2-8BE8-40E0-B699-ABB267EEB223}" type="datetimeFigureOut">
               <a:rPr lang="en-US" smtClean="0"/>
-              <a:t>11/17/2022</a:t>
+              <a:t>11/19/2022</a:t>
             </a:fld>
             <a:endParaRPr lang="en-US"/>
           </a:p>
@@ -3620,7 +1053,7 @@
           <a:p>
             <a:fld id="{E3737AA2-8BE8-40E0-B699-ABB267EEB223}" type="datetimeFigureOut">
               <a:rPr lang="en-US" smtClean="0"/>
-              <a:t>11/17/2022</a:t>
+              <a:t>11/19/2022</a:t>
             </a:fld>
             <a:endParaRPr lang="en-US"/>
           </a:p>
@@ -3956,7 +1389,7 @@
           <a:p>
             <a:fld id="{E3737AA2-8BE8-40E0-B699-ABB267EEB223}" type="datetimeFigureOut">
               <a:rPr lang="en-US" smtClean="0"/>
-              <a:t>11/17/2022</a:t>
+              <a:t>11/19/2022</a:t>
             </a:fld>
             <a:endParaRPr lang="en-US"/>
           </a:p>
@@ -4276,7 +1709,7 @@
           <a:p>
             <a:fld id="{E3737AA2-8BE8-40E0-B699-ABB267EEB223}" type="datetimeFigureOut">
               <a:rPr lang="en-US" smtClean="0"/>
-              <a:t>11/17/2022</a:t>
+              <a:t>11/19/2022</a:t>
             </a:fld>
             <a:endParaRPr lang="en-US"/>
           </a:p>
@@ -4672,7 +2105,7 @@
           <a:p>
             <a:fld id="{E3737AA2-8BE8-40E0-B699-ABB267EEB223}" type="datetimeFigureOut">
               <a:rPr lang="en-US" smtClean="0"/>
-              <a:t>11/17/2022</a:t>
+              <a:t>11/19/2022</a:t>
             </a:fld>
             <a:endParaRPr lang="en-US"/>
           </a:p>
@@ -4929,7 +2362,7 @@
           <a:p>
             <a:fld id="{E3737AA2-8BE8-40E0-B699-ABB267EEB223}" type="datetimeFigureOut">
               <a:rPr lang="en-US" smtClean="0"/>
-              <a:t>11/17/2022</a:t>
+              <a:t>11/19/2022</a:t>
             </a:fld>
             <a:endParaRPr lang="en-US"/>
           </a:p>
@@ -5191,7 +2624,7 @@
           <a:p>
             <a:fld id="{E3737AA2-8BE8-40E0-B699-ABB267EEB223}" type="datetimeFigureOut">
               <a:rPr lang="en-US" smtClean="0"/>
-              <a:t>11/17/2022</a:t>
+              <a:t>11/19/2022</a:t>
             </a:fld>
             <a:endParaRPr lang="en-US"/>
           </a:p>
@@ -5453,7 +2886,7 @@
           <a:p>
             <a:fld id="{E3737AA2-8BE8-40E0-B699-ABB267EEB223}" type="datetimeFigureOut">
               <a:rPr lang="en-US" smtClean="0"/>
-              <a:t>11/17/2022</a:t>
+              <a:t>11/19/2022</a:t>
             </a:fld>
             <a:endParaRPr lang="en-US"/>
           </a:p>
@@ -5782,7 +3215,7 @@
           <a:p>
             <a:fld id="{E3737AA2-8BE8-40E0-B699-ABB267EEB223}" type="datetimeFigureOut">
               <a:rPr lang="en-US" smtClean="0"/>
-              <a:t>11/17/2022</a:t>
+              <a:t>11/19/2022</a:t>
             </a:fld>
             <a:endParaRPr lang="en-US"/>
           </a:p>
@@ -6105,7 +3538,7 @@
           <a:p>
             <a:fld id="{E3737AA2-8BE8-40E0-B699-ABB267EEB223}" type="datetimeFigureOut">
               <a:rPr lang="en-US" smtClean="0"/>
-              <a:t>11/17/2022</a:t>
+              <a:t>11/19/2022</a:t>
             </a:fld>
             <a:endParaRPr lang="en-US"/>
           </a:p>
@@ -6562,7 +3995,7 @@
           <a:p>
             <a:fld id="{E3737AA2-8BE8-40E0-B699-ABB267EEB223}" type="datetimeFigureOut">
               <a:rPr lang="en-US" smtClean="0"/>
-              <a:t>11/17/2022</a:t>
+              <a:t>11/19/2022</a:t>
             </a:fld>
             <a:endParaRPr lang="en-US"/>
           </a:p>
@@ -6767,7 +4200,7 @@
           <a:p>
             <a:fld id="{E3737AA2-8BE8-40E0-B699-ABB267EEB223}" type="datetimeFigureOut">
               <a:rPr lang="en-US" smtClean="0"/>
-              <a:t>11/17/2022</a:t>
+              <a:t>11/19/2022</a:t>
             </a:fld>
             <a:endParaRPr lang="en-US"/>
           </a:p>
@@ -6944,7 +4377,7 @@
           <a:p>
             <a:fld id="{E3737AA2-8BE8-40E0-B699-ABB267EEB223}" type="datetimeFigureOut">
               <a:rPr lang="en-US" smtClean="0"/>
-              <a:t>11/17/2022</a:t>
+              <a:t>11/19/2022</a:t>
             </a:fld>
             <a:endParaRPr lang="en-US"/>
           </a:p>
@@ -7277,7 +4710,7 @@
           <a:p>
             <a:fld id="{E3737AA2-8BE8-40E0-B699-ABB267EEB223}" type="datetimeFigureOut">
               <a:rPr lang="en-US" smtClean="0"/>
-              <a:t>11/17/2022</a:t>
+              <a:t>11/19/2022</a:t>
             </a:fld>
             <a:endParaRPr lang="en-US"/>
           </a:p>
@@ -7622,7 +5055,7 @@
           <a:p>
             <a:fld id="{E3737AA2-8BE8-40E0-B699-ABB267EEB223}" type="datetimeFigureOut">
               <a:rPr lang="en-US" smtClean="0"/>
-              <a:t>11/17/2022</a:t>
+              <a:t>11/19/2022</a:t>
             </a:fld>
             <a:endParaRPr lang="en-US"/>
           </a:p>
@@ -9739,7 +7172,7 @@
           <a:p>
             <a:fld id="{E3737AA2-8BE8-40E0-B699-ABB267EEB223}" type="datetimeFigureOut">
               <a:rPr lang="en-US" smtClean="0"/>
-              <a:t>11/17/2022</a:t>
+              <a:t>11/19/2022</a:t>
             </a:fld>
             <a:endParaRPr lang="en-US"/>
           </a:p>
@@ -10350,15 +7783,7 @@
                   <a:srgbClr val="0070C0"/>
                 </a:solidFill>
               </a:rPr>
-              <a:t>Customer Personality </a:t>
-            </a:r>
-            <a:r>
-              <a:rPr lang="en-US" sz="4000" b="1" dirty="0" smtClean="0">
-                <a:solidFill>
-                  <a:srgbClr val="0070C0"/>
-                </a:solidFill>
-              </a:rPr>
-              <a:t>Analysis</a:t>
+              <a:t>Customer Personality Analysis</a:t>
             </a:r>
           </a:p>
           <a:p>
@@ -10521,7 +7946,7 @@
         </p:nvSpPr>
         <p:spPr>
           <a:xfrm>
-            <a:off x="3242355" y="784271"/>
+            <a:off x="2913161" y="365042"/>
             <a:ext cx="6567852" cy="638129"/>
           </a:xfrm>
         </p:spPr>
@@ -12547,28 +9972,6 @@
           </a:p>
         </p:txBody>
       </p:sp>
-      <p:graphicFrame>
-        <p:nvGraphicFramePr>
-          <p:cNvPr id="3" name="Diagram 2"/>
-          <p:cNvGraphicFramePr/>
-          <p:nvPr>
-            <p:extLst>
-              <p:ext uri="{D42A27DB-BD31-4B8C-83A1-F6EECF244321}">
-                <p14:modId xmlns:p14="http://schemas.microsoft.com/office/powerpoint/2010/main" val="1238916236"/>
-              </p:ext>
-            </p:extLst>
-          </p:nvPr>
-        </p:nvGraphicFramePr>
-        <p:xfrm>
-          <a:off x="6530643" y="1109117"/>
-          <a:ext cx="3643750" cy="2828356"/>
-        </p:xfrm>
-        <a:graphic>
-          <a:graphicData uri="http://schemas.openxmlformats.org/drawingml/2006/diagram">
-            <dgm:relIds xmlns:dgm="http://schemas.openxmlformats.org/drawingml/2006/diagram" xmlns:r="http://schemas.openxmlformats.org/officeDocument/2006/relationships" r:dm="rId4" r:lo="rId5" r:qs="rId6" r:cs="rId7"/>
-          </a:graphicData>
-        </a:graphic>
-      </p:graphicFrame>
       <p:grpSp>
         <p:nvGrpSpPr>
           <p:cNvPr id="16" name="Group 15"/>
@@ -12691,10 +10094,10 @@
         </p:nvGrpSpPr>
         <p:grpSpPr>
           <a:xfrm>
-            <a:off x="2645171" y="4511003"/>
-            <a:ext cx="3643750" cy="2053260"/>
-            <a:chOff x="0" y="632347"/>
-            <a:chExt cx="3643750" cy="2053260"/>
+            <a:off x="2645171" y="4511002"/>
+            <a:ext cx="3643750" cy="2164117"/>
+            <a:chOff x="0" y="632346"/>
+            <a:chExt cx="3643750" cy="2164117"/>
           </a:xfrm>
         </p:grpSpPr>
         <p:sp>
@@ -12761,12 +10164,17 @@
           </p:nvSpPr>
           <p:spPr>
             <a:xfrm>
-              <a:off x="0" y="632347"/>
-              <a:ext cx="3643750" cy="2053260"/>
+              <a:off x="0" y="632346"/>
+              <a:ext cx="3643750" cy="2164117"/>
             </a:xfrm>
             <a:prstGeom prst="rect">
               <a:avLst/>
             </a:prstGeom>
+            <a:solidFill>
+              <a:schemeClr val="bg1">
+                <a:lumMod val="85000"/>
+              </a:schemeClr>
+            </a:solidFill>
           </p:spPr>
           <p:style>
             <a:lnRef idx="0">
@@ -12806,8 +10214,151 @@
                 <a:buChar char="••"/>
               </a:pPr>
               <a:r>
-                <a:rPr lang="en-US" sz="1700" dirty="0"/>
-                <a:t>Are a definitely a parent</a:t>
+                <a:rPr lang="en-US" sz="1550" dirty="0"/>
+                <a:t>The majority of these people are </a:t>
+              </a:r>
+              <a:r>
+                <a:rPr lang="en-US" sz="1550" dirty="0" smtClean="0"/>
+                <a:t>not a parents</a:t>
+              </a:r>
+              <a:endParaRPr lang="en-US" sz="1550" dirty="0"/>
+            </a:p>
+            <a:p>
+              <a:pPr marL="171450" lvl="1" indent="-171450" defTabSz="755650">
+                <a:lnSpc>
+                  <a:spcPct val="90000"/>
+                </a:lnSpc>
+                <a:spcBef>
+                  <a:spcPct val="0"/>
+                </a:spcBef>
+                <a:spcAft>
+                  <a:spcPct val="15000"/>
+                </a:spcAft>
+                <a:buChar char="••"/>
+              </a:pPr>
+              <a:r>
+                <a:rPr lang="en-US" sz="1550" dirty="0" smtClean="0"/>
+                <a:t>At </a:t>
+              </a:r>
+              <a:r>
+                <a:rPr lang="en-US" sz="1550" dirty="0"/>
+                <a:t>max are </a:t>
+              </a:r>
+              <a:r>
+                <a:rPr lang="en-US" sz="1550" dirty="0" smtClean="0"/>
+                <a:t>3 </a:t>
+              </a:r>
+              <a:r>
+                <a:rPr lang="en-US" sz="1550" dirty="0"/>
+                <a:t>members in </a:t>
+              </a:r>
+              <a:r>
+                <a:rPr lang="en-US" sz="1550" dirty="0" smtClean="0"/>
+                <a:t>family</a:t>
+              </a:r>
+              <a:endParaRPr lang="en-US" sz="1550" dirty="0"/>
+            </a:p>
+            <a:p>
+              <a:pPr marL="171450" lvl="1" indent="-171450" defTabSz="755650">
+                <a:lnSpc>
+                  <a:spcPct val="90000"/>
+                </a:lnSpc>
+                <a:spcBef>
+                  <a:spcPct val="0"/>
+                </a:spcBef>
+                <a:spcAft>
+                  <a:spcPct val="15000"/>
+                </a:spcAft>
+                <a:buChar char="••"/>
+              </a:pPr>
+              <a:r>
+                <a:rPr lang="en-US" sz="1550" dirty="0" smtClean="0"/>
+                <a:t>Majority </a:t>
+              </a:r>
+              <a:r>
+                <a:rPr lang="en-US" sz="1550" dirty="0"/>
+                <a:t>have </a:t>
+              </a:r>
+              <a:r>
+                <a:rPr lang="en-US" sz="1550" dirty="0" smtClean="0"/>
+                <a:t>one </a:t>
+              </a:r>
+              <a:r>
+                <a:rPr lang="en-US" sz="1550" dirty="0"/>
+                <a:t>kid </a:t>
+              </a:r>
+              <a:endParaRPr lang="en-US" sz="1550" dirty="0" smtClean="0"/>
+            </a:p>
+            <a:p>
+              <a:pPr marL="171450" lvl="1" indent="-171450" defTabSz="755650">
+                <a:lnSpc>
+                  <a:spcPct val="90000"/>
+                </a:lnSpc>
+                <a:spcBef>
+                  <a:spcPct val="0"/>
+                </a:spcBef>
+                <a:spcAft>
+                  <a:spcPct val="15000"/>
+                </a:spcAft>
+                <a:buChar char="••"/>
+              </a:pPr>
+              <a:r>
+                <a:rPr lang="en-US" sz="1550" dirty="0"/>
+                <a:t>Single parents are subset of this </a:t>
+              </a:r>
+              <a:r>
+                <a:rPr lang="en-US" sz="1550" dirty="0" smtClean="0"/>
+                <a:t>group</a:t>
+              </a:r>
+              <a:endParaRPr lang="en-US" sz="1550" dirty="0"/>
+            </a:p>
+            <a:p>
+              <a:pPr marL="171450" lvl="1" indent="-171450" defTabSz="755650">
+                <a:lnSpc>
+                  <a:spcPct val="90000"/>
+                </a:lnSpc>
+                <a:spcBef>
+                  <a:spcPct val="0"/>
+                </a:spcBef>
+                <a:spcAft>
+                  <a:spcPct val="15000"/>
+                </a:spcAft>
+                <a:buChar char="••"/>
+              </a:pPr>
+              <a:r>
+                <a:rPr lang="en-US" sz="1550" dirty="0" smtClean="0"/>
+                <a:t>Relatively </a:t>
+              </a:r>
+              <a:r>
+                <a:rPr lang="en-US" sz="1550" dirty="0" smtClean="0"/>
+                <a:t>younger</a:t>
+              </a:r>
+            </a:p>
+            <a:p>
+              <a:pPr marL="171450" lvl="1" indent="-171450" defTabSz="755650">
+                <a:lnSpc>
+                  <a:spcPct val="90000"/>
+                </a:lnSpc>
+                <a:spcBef>
+                  <a:spcPct val="0"/>
+                </a:spcBef>
+                <a:spcAft>
+                  <a:spcPct val="15000"/>
+                </a:spcAft>
+                <a:buFontTx/>
+                <a:buChar char="••"/>
+              </a:pPr>
+              <a:r>
+                <a:rPr lang="en-US" sz="1550" dirty="0"/>
+                <a:t>High spending &amp; High</a:t>
+              </a:r>
+              <a:r>
+                <a:rPr lang="en-US" sz="1550" dirty="0" smtClean="0"/>
+                <a:t> </a:t>
+              </a:r>
+              <a:r>
+                <a:rPr lang="en-US" sz="1550" dirty="0"/>
+                <a:t>income</a:t>
               </a:r>
             </a:p>
             <a:p>
@@ -12823,82 +10374,7 @@
                 </a:spcAft>
                 <a:buChar char="••"/>
               </a:pPr>
-              <a:r>
-                <a:rPr lang="en-US" sz="1700" dirty="0" smtClean="0"/>
-                <a:t>At </a:t>
-              </a:r>
-              <a:r>
-                <a:rPr lang="en-US" sz="1700" dirty="0"/>
-                <a:t>max are </a:t>
-              </a:r>
-              <a:r>
-                <a:rPr lang="en-US" sz="1700" dirty="0" smtClean="0"/>
-                <a:t>7 </a:t>
-              </a:r>
-              <a:r>
-                <a:rPr lang="en-US" sz="1700" dirty="0"/>
-                <a:t>members in the family</a:t>
-              </a:r>
-            </a:p>
-            <a:p>
-              <a:pPr marL="171450" lvl="1" indent="-171450" defTabSz="755650">
-                <a:lnSpc>
-                  <a:spcPct val="90000"/>
-                </a:lnSpc>
-                <a:spcBef>
-                  <a:spcPct val="0"/>
-                </a:spcBef>
-                <a:spcAft>
-                  <a:spcPct val="15000"/>
-                </a:spcAft>
-                <a:buChar char="••"/>
-              </a:pPr>
-              <a:r>
-                <a:rPr lang="en-US" sz="1700" dirty="0" smtClean="0"/>
-                <a:t>Majority </a:t>
-              </a:r>
-              <a:r>
-                <a:rPr lang="en-US" sz="1700" dirty="0"/>
-                <a:t>have </a:t>
-              </a:r>
-              <a:r>
-                <a:rPr lang="en-US" sz="1700" dirty="0" smtClean="0"/>
-                <a:t>Two </a:t>
-              </a:r>
-              <a:r>
-                <a:rPr lang="en-US" sz="1700" dirty="0"/>
-                <a:t>kid </a:t>
-              </a:r>
-              <a:r>
-                <a:rPr lang="en-US" sz="1700" dirty="0" smtClean="0"/>
-                <a:t>or teenagers (typically</a:t>
-              </a:r>
-              <a:r>
-                <a:rPr lang="en-US" sz="1700" dirty="0"/>
-                <a:t>)</a:t>
-              </a:r>
-            </a:p>
-            <a:p>
-              <a:pPr marL="171450" lvl="1" indent="-171450" defTabSz="755650">
-                <a:lnSpc>
-                  <a:spcPct val="90000"/>
-                </a:lnSpc>
-                <a:spcBef>
-                  <a:spcPct val="0"/>
-                </a:spcBef>
-                <a:spcAft>
-                  <a:spcPct val="15000"/>
-                </a:spcAft>
-                <a:buChar char="••"/>
-              </a:pPr>
-              <a:r>
-                <a:rPr lang="en-US" sz="1700" dirty="0" smtClean="0"/>
-                <a:t>Relatively </a:t>
-              </a:r>
-              <a:r>
-                <a:rPr lang="en-US" sz="1700" dirty="0"/>
-                <a:t>younger</a:t>
-              </a:r>
+              <a:endParaRPr lang="en-US" sz="1600" dirty="0"/>
             </a:p>
           </p:txBody>
         </p:sp>
@@ -13026,9 +10502,9 @@
         <p:grpSpPr>
           <a:xfrm>
             <a:off x="6530643" y="4511003"/>
-            <a:ext cx="3643750" cy="2053260"/>
+            <a:ext cx="3643750" cy="2164116"/>
             <a:chOff x="0" y="632347"/>
-            <a:chExt cx="3643750" cy="2053260"/>
+            <a:chExt cx="3643750" cy="2164116"/>
           </a:xfrm>
         </p:grpSpPr>
         <p:sp>
@@ -13096,11 +10572,16 @@
           <p:spPr>
             <a:xfrm>
               <a:off x="0" y="632347"/>
-              <a:ext cx="3643750" cy="2053260"/>
+              <a:ext cx="3643750" cy="2164116"/>
             </a:xfrm>
             <a:prstGeom prst="rect">
               <a:avLst/>
             </a:prstGeom>
+            <a:solidFill>
+              <a:schemeClr val="bg1">
+                <a:lumMod val="85000"/>
+              </a:schemeClr>
+            </a:solidFill>
           </p:spPr>
           <p:style>
             <a:lnRef idx="0">
@@ -13140,12 +10621,8 @@
                 <a:buChar char="••"/>
               </a:pPr>
               <a:r>
-                <a:rPr lang="en-US" sz="1700" dirty="0" smtClean="0"/>
-                <a:t>Are </a:t>
-              </a:r>
-              <a:r>
-                <a:rPr lang="en-US" sz="1700" dirty="0"/>
-                <a:t>a definitely not a parent</a:t>
+                <a:rPr lang="en-US" sz="1550" dirty="0"/>
+                <a:t>Are a definitely a parent</a:t>
               </a:r>
             </a:p>
             <a:p>
@@ -13162,12 +10639,8 @@
                 <a:buChar char="••"/>
               </a:pPr>
               <a:r>
-                <a:rPr lang="en-US" sz="1700" dirty="0" smtClean="0"/>
-                <a:t>At </a:t>
-              </a:r>
-              <a:r>
-                <a:rPr lang="en-US" sz="1700" dirty="0"/>
-                <a:t>max are only 2 members in the family</a:t>
+                <a:rPr lang="en-US" sz="1550" dirty="0" smtClean="0"/>
+                <a:t>At max are only 5 members in the family and at least 2</a:t>
               </a:r>
             </a:p>
             <a:p>
@@ -13184,11 +10657,30 @@
                 <a:buChar char="••"/>
               </a:pPr>
               <a:r>
-                <a:rPr lang="en-US" sz="1700" dirty="0" smtClean="0"/>
+                <a:rPr lang="en-US" sz="1550" dirty="0" smtClean="0"/>
+                <a:t>Definitely have at least a children</a:t>
+              </a:r>
+              <a:endParaRPr lang="en-US" sz="1550" dirty="0" smtClean="0"/>
+            </a:p>
+            <a:p>
+              <a:pPr marL="171450" lvl="1" indent="-171450" defTabSz="755650">
+                <a:lnSpc>
+                  <a:spcPct val="90000"/>
+                </a:lnSpc>
+                <a:spcBef>
+                  <a:spcPct val="0"/>
+                </a:spcBef>
+                <a:spcAft>
+                  <a:spcPct val="15000"/>
+                </a:spcAft>
+                <a:buChar char="••"/>
+              </a:pPr>
+              <a:r>
+                <a:rPr lang="en-US" sz="1550" dirty="0" smtClean="0"/>
                 <a:t>A </a:t>
               </a:r>
               <a:r>
-                <a:rPr lang="en-US" sz="1700" dirty="0"/>
+                <a:rPr lang="en-US" sz="1550" dirty="0"/>
                 <a:t>slightly majority of couples over single people</a:t>
               </a:r>
             </a:p>
@@ -13206,11 +10698,11 @@
                 <a:buChar char="••"/>
               </a:pPr>
               <a:r>
-                <a:rPr lang="en-US" sz="1700" dirty="0" smtClean="0"/>
+                <a:rPr lang="en-US" sz="1550" dirty="0" smtClean="0"/>
                 <a:t>Span </a:t>
               </a:r>
               <a:r>
-                <a:rPr lang="en-US" sz="1700" dirty="0"/>
+                <a:rPr lang="en-US" sz="1550" dirty="0"/>
                 <a:t>all ages</a:t>
               </a:r>
             </a:p>
@@ -13228,10 +10720,10 @@
                 <a:buChar char="••"/>
               </a:pPr>
               <a:r>
-                <a:rPr lang="en-US" sz="1700" dirty="0" smtClean="0"/>
+                <a:rPr lang="en-US" sz="1550" dirty="0" smtClean="0"/>
                 <a:t>Low spending &amp; low income</a:t>
               </a:r>
-              <a:endParaRPr lang="en-US" sz="1700" dirty="0"/>
+              <a:endParaRPr lang="en-US" sz="1550" dirty="0"/>
             </a:p>
           </p:txBody>
         </p:sp>
@@ -13244,7 +10736,7 @@
         </p:nvGrpSpPr>
         <p:grpSpPr>
           <a:xfrm>
-            <a:off x="2613360" y="1268317"/>
+            <a:off x="2613360" y="1112258"/>
             <a:ext cx="3643750" cy="489600"/>
             <a:chOff x="0" y="142747"/>
             <a:chExt cx="3643750" cy="489600"/>
@@ -13358,10 +10850,10 @@
         </p:nvGrpSpPr>
         <p:grpSpPr>
           <a:xfrm>
-            <a:off x="2613360" y="1757916"/>
-            <a:ext cx="3643750" cy="2147843"/>
-            <a:chOff x="0" y="632346"/>
-            <a:chExt cx="3643750" cy="2147843"/>
+            <a:off x="2613360" y="1601858"/>
+            <a:ext cx="3643750" cy="2335615"/>
+            <a:chOff x="0" y="476288"/>
+            <a:chExt cx="3643750" cy="2335615"/>
           </a:xfrm>
         </p:grpSpPr>
         <p:sp>
@@ -13428,12 +10920,17 @@
           </p:nvSpPr>
           <p:spPr>
             <a:xfrm>
-              <a:off x="0" y="632346"/>
-              <a:ext cx="3643750" cy="2147843"/>
+              <a:off x="0" y="476288"/>
+              <a:ext cx="3643750" cy="2335615"/>
             </a:xfrm>
             <a:prstGeom prst="rect">
               <a:avLst/>
             </a:prstGeom>
+            <a:solidFill>
+              <a:schemeClr val="bg1">
+                <a:lumMod val="85000"/>
+              </a:schemeClr>
+            </a:solidFill>
           </p:spPr>
           <p:style>
             <a:lnRef idx="0">
@@ -13473,12 +10970,8 @@
                 <a:buChar char="••"/>
               </a:pPr>
               <a:r>
-                <a:rPr lang="en-US" sz="1700" dirty="0" smtClean="0"/>
-                <a:t>They </a:t>
-              </a:r>
-              <a:r>
-                <a:rPr lang="en-US" sz="1700" dirty="0"/>
-                <a:t>are  definitely a parent</a:t>
+                <a:rPr lang="en-US" sz="1550" dirty="0"/>
+                <a:t>The majority of these people are not a parents</a:t>
               </a:r>
             </a:p>
             <a:p>
@@ -13495,12 +10988,380 @@
                 <a:buChar char="••"/>
               </a:pPr>
               <a:r>
-                <a:rPr lang="en-US" sz="1700" dirty="0" smtClean="0"/>
+                <a:rPr lang="en-US" sz="1550" dirty="0" smtClean="0"/>
                 <a:t>At </a:t>
               </a:r>
               <a:r>
-                <a:rPr lang="en-US" sz="1700" dirty="0"/>
-                <a:t>the max are 5 members in the family and at least 2</a:t>
+                <a:rPr lang="en-US" sz="1550" dirty="0"/>
+                <a:t>the max are 5 members in the </a:t>
+              </a:r>
+              <a:r>
+                <a:rPr lang="en-US" sz="1550" dirty="0"/>
+                <a:t>family and at least 2</a:t>
+              </a:r>
+              <a:endParaRPr lang="en-US" sz="1550" dirty="0"/>
+            </a:p>
+            <a:p>
+              <a:pPr marL="171450" lvl="1" indent="-171450" defTabSz="755650">
+                <a:lnSpc>
+                  <a:spcPct val="90000"/>
+                </a:lnSpc>
+                <a:spcBef>
+                  <a:spcPct val="0"/>
+                </a:spcBef>
+                <a:spcAft>
+                  <a:spcPct val="15000"/>
+                </a:spcAft>
+                <a:buChar char="••"/>
+              </a:pPr>
+              <a:r>
+                <a:rPr lang="en-US" sz="1550" dirty="0" smtClean="0"/>
+                <a:t>Majority </a:t>
+              </a:r>
+              <a:r>
+                <a:rPr lang="en-US" sz="1550" dirty="0"/>
+                <a:t>of them have </a:t>
+              </a:r>
+              <a:r>
+                <a:rPr lang="en-US" sz="1550" dirty="0" smtClean="0"/>
+                <a:t>Children</a:t>
+              </a:r>
+            </a:p>
+            <a:p>
+              <a:pPr marL="171450" lvl="1" indent="-171450" defTabSz="755650">
+                <a:lnSpc>
+                  <a:spcPct val="90000"/>
+                </a:lnSpc>
+                <a:spcBef>
+                  <a:spcPct val="0"/>
+                </a:spcBef>
+                <a:spcAft>
+                  <a:spcPct val="15000"/>
+                </a:spcAft>
+                <a:buFontTx/>
+                <a:buChar char="••"/>
+              </a:pPr>
+              <a:r>
+                <a:rPr lang="en-US" sz="1550" dirty="0"/>
+                <a:t>Single parents are subset of this </a:t>
+              </a:r>
+              <a:r>
+                <a:rPr lang="en-US" sz="1550" dirty="0" smtClean="0"/>
+                <a:t>group</a:t>
+              </a:r>
+              <a:endParaRPr lang="en-US" sz="1550" dirty="0"/>
+            </a:p>
+            <a:p>
+              <a:pPr marL="171450" lvl="1" indent="-171450" defTabSz="755650">
+                <a:lnSpc>
+                  <a:spcPct val="90000"/>
+                </a:lnSpc>
+                <a:spcBef>
+                  <a:spcPct val="0"/>
+                </a:spcBef>
+                <a:spcAft>
+                  <a:spcPct val="15000"/>
+                </a:spcAft>
+                <a:buChar char="••"/>
+              </a:pPr>
+              <a:r>
+                <a:rPr lang="en-US" sz="1550" dirty="0" smtClean="0"/>
+                <a:t>High </a:t>
+              </a:r>
+              <a:r>
+                <a:rPr lang="en-US" sz="1550" dirty="0" smtClean="0"/>
+                <a:t>spending &amp; average </a:t>
+              </a:r>
+              <a:r>
+                <a:rPr lang="en-US" sz="1550" dirty="0" smtClean="0"/>
+                <a:t>income</a:t>
+              </a:r>
+            </a:p>
+            <a:p>
+              <a:pPr marL="171450" lvl="1" indent="-171450" defTabSz="755650">
+                <a:lnSpc>
+                  <a:spcPct val="90000"/>
+                </a:lnSpc>
+                <a:spcBef>
+                  <a:spcPct val="0"/>
+                </a:spcBef>
+                <a:spcAft>
+                  <a:spcPct val="15000"/>
+                </a:spcAft>
+                <a:buFontTx/>
+                <a:buChar char="••"/>
+              </a:pPr>
+              <a:r>
+                <a:rPr lang="en-US" sz="1550" dirty="0"/>
+                <a:t>Relatively older + Senior member</a:t>
+              </a:r>
+            </a:p>
+            <a:p>
+              <a:pPr marL="171450" lvl="1" indent="-171450" defTabSz="755650">
+                <a:lnSpc>
+                  <a:spcPct val="90000"/>
+                </a:lnSpc>
+                <a:spcBef>
+                  <a:spcPct val="0"/>
+                </a:spcBef>
+                <a:spcAft>
+                  <a:spcPct val="15000"/>
+                </a:spcAft>
+                <a:buChar char="••"/>
+              </a:pPr>
+              <a:endParaRPr lang="en-US" sz="1600" dirty="0"/>
+            </a:p>
+          </p:txBody>
+        </p:sp>
+      </p:grpSp>
+      <p:grpSp>
+        <p:nvGrpSpPr>
+          <p:cNvPr id="34" name="Group 33"/>
+          <p:cNvGrpSpPr/>
+          <p:nvPr/>
+        </p:nvGrpSpPr>
+        <p:grpSpPr>
+          <a:xfrm>
+            <a:off x="6556769" y="1112258"/>
+            <a:ext cx="3643750" cy="489600"/>
+            <a:chOff x="0" y="142747"/>
+            <a:chExt cx="3643750" cy="489600"/>
+          </a:xfrm>
+        </p:grpSpPr>
+        <p:sp>
+          <p:nvSpPr>
+            <p:cNvPr id="35" name="Rectangle 34"/>
+            <p:cNvSpPr/>
+            <p:nvPr/>
+          </p:nvSpPr>
+          <p:spPr>
+            <a:xfrm>
+              <a:off x="0" y="142747"/>
+              <a:ext cx="3643750" cy="489600"/>
+            </a:xfrm>
+            <a:prstGeom prst="rect">
+              <a:avLst/>
+            </a:prstGeom>
+          </p:spPr>
+          <p:style>
+            <a:lnRef idx="2">
+              <a:schemeClr val="dk2">
+                <a:hueOff val="0"/>
+                <a:satOff val="0"/>
+                <a:lumOff val="0"/>
+                <a:alphaOff val="0"/>
+              </a:schemeClr>
+            </a:lnRef>
+            <a:fillRef idx="1">
+              <a:schemeClr val="dk2">
+                <a:hueOff val="0"/>
+                <a:satOff val="0"/>
+                <a:lumOff val="0"/>
+                <a:alphaOff val="0"/>
+              </a:schemeClr>
+            </a:fillRef>
+            <a:effectRef idx="0">
+              <a:schemeClr val="dk2">
+                <a:hueOff val="0"/>
+                <a:satOff val="0"/>
+                <a:lumOff val="0"/>
+                <a:alphaOff val="0"/>
+              </a:schemeClr>
+            </a:effectRef>
+            <a:fontRef idx="minor">
+              <a:schemeClr val="lt1"/>
+            </a:fontRef>
+          </p:style>
+        </p:sp>
+        <p:sp>
+          <p:nvSpPr>
+            <p:cNvPr id="36" name="TextBox 35"/>
+            <p:cNvSpPr txBox="1"/>
+            <p:nvPr/>
+          </p:nvSpPr>
+          <p:spPr>
+            <a:xfrm>
+              <a:off x="0" y="142747"/>
+              <a:ext cx="3643750" cy="489600"/>
+            </a:xfrm>
+            <a:prstGeom prst="rect">
+              <a:avLst/>
+            </a:prstGeom>
+          </p:spPr>
+          <p:style>
+            <a:lnRef idx="0">
+              <a:scrgbClr r="0" g="0" b="0"/>
+            </a:lnRef>
+            <a:fillRef idx="0">
+              <a:scrgbClr r="0" g="0" b="0"/>
+            </a:fillRef>
+            <a:effectRef idx="0">
+              <a:scrgbClr r="0" g="0" b="0"/>
+            </a:effectRef>
+            <a:fontRef idx="minor">
+              <a:schemeClr val="lt1"/>
+            </a:fontRef>
+          </p:style>
+          <p:txBody>
+            <a:bodyPr spcFirstLastPara="0" vert="horz" wrap="square" lIns="120904" tIns="69088" rIns="120904" bIns="69088" numCol="1" spcCol="1270" anchor="ctr" anchorCtr="0">
+              <a:noAutofit/>
+            </a:bodyPr>
+            <a:lstStyle/>
+            <a:p>
+              <a:pPr lvl="0" algn="ctr" defTabSz="755650" rtl="0">
+                <a:lnSpc>
+                  <a:spcPct val="90000"/>
+                </a:lnSpc>
+                <a:spcBef>
+                  <a:spcPct val="0"/>
+                </a:spcBef>
+                <a:spcAft>
+                  <a:spcPct val="35000"/>
+                </a:spcAft>
+              </a:pPr>
+              <a:r>
+                <a:rPr lang="en-US" sz="1700" b="1" kern="1200" dirty="0" smtClean="0"/>
+                <a:t>GROUP </a:t>
+              </a:r>
+              <a:r>
+                <a:rPr lang="en-US" sz="1700" b="1" kern="1200" dirty="0" smtClean="0"/>
+                <a:t>1</a:t>
+              </a:r>
+              <a:endParaRPr lang="en-US" sz="1700" kern="1200" dirty="0"/>
+            </a:p>
+          </p:txBody>
+        </p:sp>
+      </p:grpSp>
+      <p:grpSp>
+        <p:nvGrpSpPr>
+          <p:cNvPr id="37" name="Group 36"/>
+          <p:cNvGrpSpPr/>
+          <p:nvPr/>
+        </p:nvGrpSpPr>
+        <p:grpSpPr>
+          <a:xfrm>
+            <a:off x="6556769" y="1601858"/>
+            <a:ext cx="3643750" cy="2335615"/>
+            <a:chOff x="0" y="476288"/>
+            <a:chExt cx="3643750" cy="2335615"/>
+          </a:xfrm>
+        </p:grpSpPr>
+        <p:sp>
+          <p:nvSpPr>
+            <p:cNvPr id="38" name="Rectangle 37"/>
+            <p:cNvSpPr/>
+            <p:nvPr/>
+          </p:nvSpPr>
+          <p:spPr>
+            <a:xfrm>
+              <a:off x="0" y="632347"/>
+              <a:ext cx="3643750" cy="2053260"/>
+            </a:xfrm>
+            <a:prstGeom prst="rect">
+              <a:avLst/>
+            </a:prstGeom>
+          </p:spPr>
+          <p:style>
+            <a:lnRef idx="2">
+              <a:schemeClr val="dk2">
+                <a:alpha val="90000"/>
+                <a:tint val="40000"/>
+                <a:hueOff val="0"/>
+                <a:satOff val="0"/>
+                <a:lumOff val="0"/>
+                <a:alphaOff val="0"/>
+              </a:schemeClr>
+            </a:lnRef>
+            <a:fillRef idx="1">
+              <a:schemeClr val="dk2">
+                <a:alpha val="90000"/>
+                <a:tint val="40000"/>
+                <a:hueOff val="0"/>
+                <a:satOff val="0"/>
+                <a:lumOff val="0"/>
+                <a:alphaOff val="0"/>
+              </a:schemeClr>
+            </a:fillRef>
+            <a:effectRef idx="0">
+              <a:schemeClr val="dk2">
+                <a:alpha val="90000"/>
+                <a:tint val="40000"/>
+                <a:hueOff val="0"/>
+                <a:satOff val="0"/>
+                <a:lumOff val="0"/>
+                <a:alphaOff val="0"/>
+              </a:schemeClr>
+            </a:effectRef>
+            <a:fontRef idx="minor">
+              <a:schemeClr val="dk1">
+                <a:hueOff val="0"/>
+                <a:satOff val="0"/>
+                <a:lumOff val="0"/>
+                <a:alphaOff val="0"/>
+              </a:schemeClr>
+            </a:fontRef>
+          </p:style>
+        </p:sp>
+        <p:sp>
+          <p:nvSpPr>
+            <p:cNvPr id="39" name="TextBox 38"/>
+            <p:cNvSpPr txBox="1"/>
+            <p:nvPr/>
+          </p:nvSpPr>
+          <p:spPr>
+            <a:xfrm>
+              <a:off x="0" y="476288"/>
+              <a:ext cx="3643750" cy="2335615"/>
+            </a:xfrm>
+            <a:prstGeom prst="rect">
+              <a:avLst/>
+            </a:prstGeom>
+            <a:solidFill>
+              <a:schemeClr val="bg1">
+                <a:lumMod val="85000"/>
+              </a:schemeClr>
+            </a:solidFill>
+          </p:spPr>
+          <p:style>
+            <a:lnRef idx="0">
+              <a:scrgbClr r="0" g="0" b="0"/>
+            </a:lnRef>
+            <a:fillRef idx="0">
+              <a:scrgbClr r="0" g="0" b="0"/>
+            </a:fillRef>
+            <a:effectRef idx="0">
+              <a:scrgbClr r="0" g="0" b="0"/>
+            </a:effectRef>
+            <a:fontRef idx="minor">
+              <a:schemeClr val="dk1">
+                <a:hueOff val="0"/>
+                <a:satOff val="0"/>
+                <a:lumOff val="0"/>
+                <a:alphaOff val="0"/>
+              </a:schemeClr>
+            </a:fontRef>
+          </p:style>
+          <p:txBody>
+            <a:bodyPr spcFirstLastPara="0" vert="horz" wrap="square" lIns="90678" tIns="90678" rIns="120904" bIns="136017" numCol="1" spcCol="1270" anchor="t" anchorCtr="0">
+              <a:noAutofit/>
+            </a:bodyPr>
+            <a:lstStyle/>
+            <a:p>
+              <a:pPr marL="171450" lvl="1" indent="-171450" defTabSz="755650">
+                <a:lnSpc>
+                  <a:spcPct val="90000"/>
+                </a:lnSpc>
+                <a:spcBef>
+                  <a:spcPct val="0"/>
+                </a:spcBef>
+                <a:spcAft>
+                  <a:spcPct val="15000"/>
+                </a:spcAft>
+                <a:buChar char="••"/>
+              </a:pPr>
+              <a:r>
+                <a:rPr lang="en-US" sz="1550" dirty="0"/>
+                <a:t>Some of them are parent</a:t>
               </a:r>
             </a:p>
             <a:p>
@@ -13517,12 +11378,39 @@
                 <a:buChar char="••"/>
               </a:pPr>
               <a:r>
-                <a:rPr lang="en-US" sz="1700" dirty="0" smtClean="0"/>
-                <a:t>Majority </a:t>
+                <a:rPr lang="en-US" sz="1550" dirty="0"/>
+                <a:t>At the max have </a:t>
               </a:r>
               <a:r>
-                <a:rPr lang="en-US" sz="1700" dirty="0"/>
-                <a:t>of them have teenager at home</a:t>
+                <a:rPr lang="en-US" sz="1550" dirty="0" smtClean="0"/>
+                <a:t>4 </a:t>
+              </a:r>
+              <a:r>
+                <a:rPr lang="en-US" sz="1550" dirty="0"/>
+                <a:t>members in the </a:t>
+              </a:r>
+              <a:r>
+                <a:rPr lang="en-US" sz="1550" dirty="0" smtClean="0"/>
+                <a:t>family</a:t>
+              </a:r>
+              <a:endParaRPr lang="en-US" sz="1550" dirty="0"/>
+            </a:p>
+            <a:p>
+              <a:pPr marL="171450" lvl="1" indent="-171450" defTabSz="755650">
+                <a:lnSpc>
+                  <a:spcPct val="90000"/>
+                </a:lnSpc>
+                <a:spcBef>
+                  <a:spcPct val="0"/>
+                </a:spcBef>
+                <a:spcAft>
+                  <a:spcPct val="15000"/>
+                </a:spcAft>
+                <a:buChar char="••"/>
+              </a:pPr>
+              <a:r>
+                <a:rPr lang="en-US" sz="1550" dirty="0"/>
+                <a:t>Single parents are subset of this group</a:t>
               </a:r>
             </a:p>
             <a:p>
@@ -13539,12 +11427,8 @@
                 <a:buChar char="••"/>
               </a:pPr>
               <a:r>
-                <a:rPr lang="en-US" sz="1700" dirty="0" smtClean="0"/>
-                <a:t>Relatively </a:t>
-              </a:r>
-              <a:r>
-                <a:rPr lang="en-US" sz="1700" dirty="0"/>
-                <a:t>older</a:t>
+                <a:rPr lang="en-US" sz="1550" dirty="0"/>
+                <a:t>Low spending &amp; average income</a:t>
               </a:r>
             </a:p>
             <a:p>
@@ -13561,10 +11445,27 @@
                 <a:buChar char="••"/>
               </a:pPr>
               <a:r>
-                <a:rPr lang="en-US" sz="1700" dirty="0" smtClean="0"/>
-                <a:t>High spending &amp; average income</a:t>
+                <a:rPr lang="en-US" sz="1550" dirty="0"/>
+                <a:t>Most have a Children at home</a:t>
               </a:r>
-              <a:endParaRPr lang="en-US" sz="1700" dirty="0"/>
+            </a:p>
+            <a:p>
+              <a:pPr marL="171450" lvl="1" indent="-171450" defTabSz="755650">
+                <a:lnSpc>
+                  <a:spcPct val="90000"/>
+                </a:lnSpc>
+                <a:spcBef>
+                  <a:spcPct val="0"/>
+                </a:spcBef>
+                <a:spcAft>
+                  <a:spcPct val="15000"/>
+                </a:spcAft>
+                <a:buChar char="••"/>
+              </a:pPr>
+              <a:r>
+                <a:rPr lang="en-US" sz="1550" dirty="0"/>
+                <a:t>Relatively older + Senior member</a:t>
+              </a:r>
             </a:p>
           </p:txBody>
         </p:sp>
@@ -15681,11 +13582,6 @@
               </a:rPr>
               <a:t>ADDING ATTRIBUTES/FEATURES, DATA CLEANING &amp; DATA PREPROCESSING</a:t>
             </a:r>
-            <a:endParaRPr lang="en-US" b="1" dirty="0">
-              <a:solidFill>
-                <a:srgbClr val="C00000"/>
-              </a:solidFill>
-            </a:endParaRPr>
           </a:p>
         </p:txBody>
       </p:sp>
